--- a/DRAFT-CHAT-SERVER.pptx
+++ b/DRAFT-CHAT-SERVER.pptx
@@ -2,16 +2,18 @@
 <file path=ppt/presentation.xml><?xml version="1.0" encoding="utf-8"?>
 <p:presentation xmlns:a="http://schemas.openxmlformats.org/drawingml/2006/main" xmlns:r="http://schemas.openxmlformats.org/officeDocument/2006/relationships" xmlns:p="http://schemas.openxmlformats.org/presentationml/2006/main" saveSubsetFonts="1">
   <p:sldMasterIdLst>
-    <p:sldMasterId id="2147483648" r:id="rId1"/>
+    <p:sldMasterId id="2147483660" r:id="rId1"/>
   </p:sldMasterIdLst>
   <p:sldIdLst>
     <p:sldId id="256" r:id="rId2"/>
     <p:sldId id="257" r:id="rId3"/>
-    <p:sldId id="258" r:id="rId4"/>
-    <p:sldId id="259" r:id="rId5"/>
-    <p:sldId id="260" r:id="rId6"/>
-    <p:sldId id="261" r:id="rId7"/>
-    <p:sldId id="262" r:id="rId8"/>
+    <p:sldId id="263" r:id="rId4"/>
+    <p:sldId id="258" r:id="rId5"/>
+    <p:sldId id="259" r:id="rId6"/>
+    <p:sldId id="264" r:id="rId7"/>
+    <p:sldId id="260" r:id="rId8"/>
+    <p:sldId id="261" r:id="rId9"/>
+    <p:sldId id="262" r:id="rId10"/>
   </p:sldIdLst>
   <p:sldSz cx="12192000" cy="6858000"/>
   <p:notesSz cx="6858000" cy="9144000"/>
@@ -160,9 +162,10 @@
           </a:lstStyle>
           <a:p>
             <a:r>
-              <a:rPr lang="en-US"/>
+              <a:rPr lang="en-US" smtClean="0"/>
               <a:t>Click to edit Master title style</a:t>
             </a:r>
+            <a:endParaRPr lang="en-US" dirty="0"/>
           </a:p>
         </p:txBody>
       </p:sp>
@@ -224,9 +227,10 @@
           </a:lstStyle>
           <a:p>
             <a:r>
-              <a:rPr lang="en-US"/>
+              <a:rPr lang="en-US" smtClean="0"/>
               <a:t>Click to edit Master subtitle style</a:t>
             </a:r>
+            <a:endParaRPr lang="en-US" dirty="0"/>
           </a:p>
         </p:txBody>
       </p:sp>
@@ -298,7 +302,7 @@
     </p:spTree>
     <p:extLst>
       <p:ext uri="{BB962C8B-B14F-4D97-AF65-F5344CB8AC3E}">
-        <p14:creationId xmlns:p14="http://schemas.microsoft.com/office/powerpoint/2010/main" val="3590572755"/>
+        <p14:creationId xmlns:p14="http://schemas.microsoft.com/office/powerpoint/2010/main" val="1571250492"/>
       </p:ext>
     </p:extLst>
   </p:cSld>
@@ -341,9 +345,10 @@
           <a:lstStyle/>
           <a:p>
             <a:r>
-              <a:rPr lang="en-US"/>
+              <a:rPr lang="en-US" smtClean="0"/>
               <a:t>Click to edit Master title style</a:t>
             </a:r>
+            <a:endParaRPr lang="en-US" dirty="0"/>
           </a:p>
         </p:txBody>
       </p:sp>
@@ -364,37 +369,38 @@
           <a:p>
             <a:pPr lvl="0"/>
             <a:r>
-              <a:rPr lang="en-US"/>
+              <a:rPr lang="en-US" smtClean="0"/>
               <a:t>Click to edit Master text styles</a:t>
             </a:r>
           </a:p>
           <a:p>
             <a:pPr lvl="1"/>
             <a:r>
-              <a:rPr lang="en-US"/>
+              <a:rPr lang="en-US" smtClean="0"/>
               <a:t>Second level</a:t>
             </a:r>
           </a:p>
           <a:p>
             <a:pPr lvl="2"/>
             <a:r>
-              <a:rPr lang="en-US"/>
+              <a:rPr lang="en-US" smtClean="0"/>
               <a:t>Third level</a:t>
             </a:r>
           </a:p>
           <a:p>
             <a:pPr lvl="3"/>
             <a:r>
-              <a:rPr lang="en-US"/>
+              <a:rPr lang="en-US" smtClean="0"/>
               <a:t>Fourth level</a:t>
             </a:r>
           </a:p>
           <a:p>
             <a:pPr lvl="4"/>
             <a:r>
-              <a:rPr lang="en-US"/>
+              <a:rPr lang="en-US" smtClean="0"/>
               <a:t>Fifth level</a:t>
             </a:r>
+            <a:endParaRPr lang="en-US" dirty="0"/>
           </a:p>
         </p:txBody>
       </p:sp>
@@ -466,7 +472,7 @@
     </p:spTree>
     <p:extLst>
       <p:ext uri="{BB962C8B-B14F-4D97-AF65-F5344CB8AC3E}">
-        <p14:creationId xmlns:p14="http://schemas.microsoft.com/office/powerpoint/2010/main" val="890805550"/>
+        <p14:creationId xmlns:p14="http://schemas.microsoft.com/office/powerpoint/2010/main" val="3275297881"/>
       </p:ext>
     </p:extLst>
   </p:cSld>
@@ -514,9 +520,10 @@
           <a:lstStyle/>
           <a:p>
             <a:r>
-              <a:rPr lang="en-US"/>
+              <a:rPr lang="en-US" smtClean="0"/>
               <a:t>Click to edit Master title style</a:t>
             </a:r>
+            <a:endParaRPr lang="en-US" dirty="0"/>
           </a:p>
         </p:txBody>
       </p:sp>
@@ -542,37 +549,38 @@
           <a:p>
             <a:pPr lvl="0"/>
             <a:r>
-              <a:rPr lang="en-US"/>
+              <a:rPr lang="en-US" smtClean="0"/>
               <a:t>Click to edit Master text styles</a:t>
             </a:r>
           </a:p>
           <a:p>
             <a:pPr lvl="1"/>
             <a:r>
-              <a:rPr lang="en-US"/>
+              <a:rPr lang="en-US" smtClean="0"/>
               <a:t>Second level</a:t>
             </a:r>
           </a:p>
           <a:p>
             <a:pPr lvl="2"/>
             <a:r>
-              <a:rPr lang="en-US"/>
+              <a:rPr lang="en-US" smtClean="0"/>
               <a:t>Third level</a:t>
             </a:r>
           </a:p>
           <a:p>
             <a:pPr lvl="3"/>
             <a:r>
-              <a:rPr lang="en-US"/>
+              <a:rPr lang="en-US" smtClean="0"/>
               <a:t>Fourth level</a:t>
             </a:r>
           </a:p>
           <a:p>
             <a:pPr lvl="4"/>
             <a:r>
-              <a:rPr lang="en-US"/>
+              <a:rPr lang="en-US" smtClean="0"/>
               <a:t>Fifth level</a:t>
             </a:r>
+            <a:endParaRPr lang="en-US" dirty="0"/>
           </a:p>
         </p:txBody>
       </p:sp>
@@ -644,7 +652,7 @@
     </p:spTree>
     <p:extLst>
       <p:ext uri="{BB962C8B-B14F-4D97-AF65-F5344CB8AC3E}">
-        <p14:creationId xmlns:p14="http://schemas.microsoft.com/office/powerpoint/2010/main" val="4041888755"/>
+        <p14:creationId xmlns:p14="http://schemas.microsoft.com/office/powerpoint/2010/main" val="3325894450"/>
       </p:ext>
     </p:extLst>
   </p:cSld>
@@ -687,9 +695,10 @@
           <a:lstStyle/>
           <a:p>
             <a:r>
-              <a:rPr lang="en-US"/>
+              <a:rPr lang="en-US" smtClean="0"/>
               <a:t>Click to edit Master title style</a:t>
             </a:r>
+            <a:endParaRPr lang="en-US" dirty="0"/>
           </a:p>
         </p:txBody>
       </p:sp>
@@ -710,37 +719,38 @@
           <a:p>
             <a:pPr lvl="0"/>
             <a:r>
-              <a:rPr lang="en-US"/>
+              <a:rPr lang="en-US" smtClean="0"/>
               <a:t>Click to edit Master text styles</a:t>
             </a:r>
           </a:p>
           <a:p>
             <a:pPr lvl="1"/>
             <a:r>
-              <a:rPr lang="en-US"/>
+              <a:rPr lang="en-US" smtClean="0"/>
               <a:t>Second level</a:t>
             </a:r>
           </a:p>
           <a:p>
             <a:pPr lvl="2"/>
             <a:r>
-              <a:rPr lang="en-US"/>
+              <a:rPr lang="en-US" smtClean="0"/>
               <a:t>Third level</a:t>
             </a:r>
           </a:p>
           <a:p>
             <a:pPr lvl="3"/>
             <a:r>
-              <a:rPr lang="en-US"/>
+              <a:rPr lang="en-US" smtClean="0"/>
               <a:t>Fourth level</a:t>
             </a:r>
           </a:p>
           <a:p>
             <a:pPr lvl="4"/>
             <a:r>
-              <a:rPr lang="en-US"/>
+              <a:rPr lang="en-US" smtClean="0"/>
               <a:t>Fifth level</a:t>
             </a:r>
+            <a:endParaRPr lang="en-US" dirty="0"/>
           </a:p>
         </p:txBody>
       </p:sp>
@@ -812,7 +822,7 @@
     </p:spTree>
     <p:extLst>
       <p:ext uri="{BB962C8B-B14F-4D97-AF65-F5344CB8AC3E}">
-        <p14:creationId xmlns:p14="http://schemas.microsoft.com/office/powerpoint/2010/main" val="3707775468"/>
+        <p14:creationId xmlns:p14="http://schemas.microsoft.com/office/powerpoint/2010/main" val="171440675"/>
       </p:ext>
     </p:extLst>
   </p:cSld>
@@ -864,9 +874,10 @@
           </a:lstStyle>
           <a:p>
             <a:r>
-              <a:rPr lang="en-US"/>
+              <a:rPr lang="en-US" smtClean="0"/>
               <a:t>Click to edit Master title style</a:t>
             </a:r>
+            <a:endParaRPr lang="en-US" dirty="0"/>
           </a:p>
         </p:txBody>
       </p:sp>
@@ -983,7 +994,7 @@
           <a:p>
             <a:pPr lvl="0"/>
             <a:r>
-              <a:rPr lang="en-US"/>
+              <a:rPr lang="en-US" smtClean="0"/>
               <a:t>Click to edit Master text styles</a:t>
             </a:r>
           </a:p>
@@ -1057,7 +1068,7 @@
     </p:spTree>
     <p:extLst>
       <p:ext uri="{BB962C8B-B14F-4D97-AF65-F5344CB8AC3E}">
-        <p14:creationId xmlns:p14="http://schemas.microsoft.com/office/powerpoint/2010/main" val="948207976"/>
+        <p14:creationId xmlns:p14="http://schemas.microsoft.com/office/powerpoint/2010/main" val="1046362612"/>
       </p:ext>
     </p:extLst>
   </p:cSld>
@@ -1100,9 +1111,10 @@
           <a:lstStyle/>
           <a:p>
             <a:r>
-              <a:rPr lang="en-US"/>
+              <a:rPr lang="en-US" smtClean="0"/>
               <a:t>Click to edit Master title style</a:t>
             </a:r>
+            <a:endParaRPr lang="en-US" dirty="0"/>
           </a:p>
         </p:txBody>
       </p:sp>
@@ -1128,37 +1140,38 @@
           <a:p>
             <a:pPr lvl="0"/>
             <a:r>
-              <a:rPr lang="en-US"/>
+              <a:rPr lang="en-US" smtClean="0"/>
               <a:t>Click to edit Master text styles</a:t>
             </a:r>
           </a:p>
           <a:p>
             <a:pPr lvl="1"/>
             <a:r>
-              <a:rPr lang="en-US"/>
+              <a:rPr lang="en-US" smtClean="0"/>
               <a:t>Second level</a:t>
             </a:r>
           </a:p>
           <a:p>
             <a:pPr lvl="2"/>
             <a:r>
-              <a:rPr lang="en-US"/>
+              <a:rPr lang="en-US" smtClean="0"/>
               <a:t>Third level</a:t>
             </a:r>
           </a:p>
           <a:p>
             <a:pPr lvl="3"/>
             <a:r>
-              <a:rPr lang="en-US"/>
+              <a:rPr lang="en-US" smtClean="0"/>
               <a:t>Fourth level</a:t>
             </a:r>
           </a:p>
           <a:p>
             <a:pPr lvl="4"/>
             <a:r>
-              <a:rPr lang="en-US"/>
+              <a:rPr lang="en-US" smtClean="0"/>
               <a:t>Fifth level</a:t>
             </a:r>
+            <a:endParaRPr lang="en-US" dirty="0"/>
           </a:p>
         </p:txBody>
       </p:sp>
@@ -1184,37 +1197,38 @@
           <a:p>
             <a:pPr lvl="0"/>
             <a:r>
-              <a:rPr lang="en-US"/>
+              <a:rPr lang="en-US" smtClean="0"/>
               <a:t>Click to edit Master text styles</a:t>
             </a:r>
           </a:p>
           <a:p>
             <a:pPr lvl="1"/>
             <a:r>
-              <a:rPr lang="en-US"/>
+              <a:rPr lang="en-US" smtClean="0"/>
               <a:t>Second level</a:t>
             </a:r>
           </a:p>
           <a:p>
             <a:pPr lvl="2"/>
             <a:r>
-              <a:rPr lang="en-US"/>
+              <a:rPr lang="en-US" smtClean="0"/>
               <a:t>Third level</a:t>
             </a:r>
           </a:p>
           <a:p>
             <a:pPr lvl="3"/>
             <a:r>
-              <a:rPr lang="en-US"/>
+              <a:rPr lang="en-US" smtClean="0"/>
               <a:t>Fourth level</a:t>
             </a:r>
           </a:p>
           <a:p>
             <a:pPr lvl="4"/>
             <a:r>
-              <a:rPr lang="en-US"/>
+              <a:rPr lang="en-US" smtClean="0"/>
               <a:t>Fifth level</a:t>
             </a:r>
+            <a:endParaRPr lang="en-US" dirty="0"/>
           </a:p>
         </p:txBody>
       </p:sp>
@@ -1286,7 +1300,7 @@
     </p:spTree>
     <p:extLst>
       <p:ext uri="{BB962C8B-B14F-4D97-AF65-F5344CB8AC3E}">
-        <p14:creationId xmlns:p14="http://schemas.microsoft.com/office/powerpoint/2010/main" val="3554496949"/>
+        <p14:creationId xmlns:p14="http://schemas.microsoft.com/office/powerpoint/2010/main" val="1752860186"/>
       </p:ext>
     </p:extLst>
   </p:cSld>
@@ -1334,9 +1348,10 @@
           <a:lstStyle/>
           <a:p>
             <a:r>
-              <a:rPr lang="en-US"/>
+              <a:rPr lang="en-US" smtClean="0"/>
               <a:t>Click to edit Master title style</a:t>
             </a:r>
+            <a:endParaRPr lang="en-US" dirty="0"/>
           </a:p>
         </p:txBody>
       </p:sp>
@@ -1399,7 +1414,7 @@
           <a:p>
             <a:pPr lvl="0"/>
             <a:r>
-              <a:rPr lang="en-US"/>
+              <a:rPr lang="en-US" smtClean="0"/>
               <a:t>Click to edit Master text styles</a:t>
             </a:r>
           </a:p>
@@ -1427,37 +1442,38 @@
           <a:p>
             <a:pPr lvl="0"/>
             <a:r>
-              <a:rPr lang="en-US"/>
+              <a:rPr lang="en-US" smtClean="0"/>
               <a:t>Click to edit Master text styles</a:t>
             </a:r>
           </a:p>
           <a:p>
             <a:pPr lvl="1"/>
             <a:r>
-              <a:rPr lang="en-US"/>
+              <a:rPr lang="en-US" smtClean="0"/>
               <a:t>Second level</a:t>
             </a:r>
           </a:p>
           <a:p>
             <a:pPr lvl="2"/>
             <a:r>
-              <a:rPr lang="en-US"/>
+              <a:rPr lang="en-US" smtClean="0"/>
               <a:t>Third level</a:t>
             </a:r>
           </a:p>
           <a:p>
             <a:pPr lvl="3"/>
             <a:r>
-              <a:rPr lang="en-US"/>
+              <a:rPr lang="en-US" smtClean="0"/>
               <a:t>Fourth level</a:t>
             </a:r>
           </a:p>
           <a:p>
             <a:pPr lvl="4"/>
             <a:r>
-              <a:rPr lang="en-US"/>
+              <a:rPr lang="en-US" smtClean="0"/>
               <a:t>Fifth level</a:t>
             </a:r>
+            <a:endParaRPr lang="en-US" dirty="0"/>
           </a:p>
         </p:txBody>
       </p:sp>
@@ -1520,7 +1536,7 @@
           <a:p>
             <a:pPr lvl="0"/>
             <a:r>
-              <a:rPr lang="en-US"/>
+              <a:rPr lang="en-US" smtClean="0"/>
               <a:t>Click to edit Master text styles</a:t>
             </a:r>
           </a:p>
@@ -1548,37 +1564,38 @@
           <a:p>
             <a:pPr lvl="0"/>
             <a:r>
-              <a:rPr lang="en-US"/>
+              <a:rPr lang="en-US" smtClean="0"/>
               <a:t>Click to edit Master text styles</a:t>
             </a:r>
           </a:p>
           <a:p>
             <a:pPr lvl="1"/>
             <a:r>
-              <a:rPr lang="en-US"/>
+              <a:rPr lang="en-US" smtClean="0"/>
               <a:t>Second level</a:t>
             </a:r>
           </a:p>
           <a:p>
             <a:pPr lvl="2"/>
             <a:r>
-              <a:rPr lang="en-US"/>
+              <a:rPr lang="en-US" smtClean="0"/>
               <a:t>Third level</a:t>
             </a:r>
           </a:p>
           <a:p>
             <a:pPr lvl="3"/>
             <a:r>
-              <a:rPr lang="en-US"/>
+              <a:rPr lang="en-US" smtClean="0"/>
               <a:t>Fourth level</a:t>
             </a:r>
           </a:p>
           <a:p>
             <a:pPr lvl="4"/>
             <a:r>
-              <a:rPr lang="en-US"/>
+              <a:rPr lang="en-US" smtClean="0"/>
               <a:t>Fifth level</a:t>
             </a:r>
+            <a:endParaRPr lang="en-US" dirty="0"/>
           </a:p>
         </p:txBody>
       </p:sp>
@@ -1650,7 +1667,7 @@
     </p:spTree>
     <p:extLst>
       <p:ext uri="{BB962C8B-B14F-4D97-AF65-F5344CB8AC3E}">
-        <p14:creationId xmlns:p14="http://schemas.microsoft.com/office/powerpoint/2010/main" val="2852388199"/>
+        <p14:creationId xmlns:p14="http://schemas.microsoft.com/office/powerpoint/2010/main" val="4197614619"/>
       </p:ext>
     </p:extLst>
   </p:cSld>
@@ -1693,9 +1710,10 @@
           <a:lstStyle/>
           <a:p>
             <a:r>
-              <a:rPr lang="en-US"/>
+              <a:rPr lang="en-US" smtClean="0"/>
               <a:t>Click to edit Master title style</a:t>
             </a:r>
+            <a:endParaRPr lang="en-US" dirty="0"/>
           </a:p>
         </p:txBody>
       </p:sp>
@@ -1767,7 +1785,7 @@
     </p:spTree>
     <p:extLst>
       <p:ext uri="{BB962C8B-B14F-4D97-AF65-F5344CB8AC3E}">
-        <p14:creationId xmlns:p14="http://schemas.microsoft.com/office/powerpoint/2010/main" val="999948312"/>
+        <p14:creationId xmlns:p14="http://schemas.microsoft.com/office/powerpoint/2010/main" val="4093418022"/>
       </p:ext>
     </p:extLst>
   </p:cSld>
@@ -1862,7 +1880,7 @@
     </p:spTree>
     <p:extLst>
       <p:ext uri="{BB962C8B-B14F-4D97-AF65-F5344CB8AC3E}">
-        <p14:creationId xmlns:p14="http://schemas.microsoft.com/office/powerpoint/2010/main" val="3275862493"/>
+        <p14:creationId xmlns:p14="http://schemas.microsoft.com/office/powerpoint/2010/main" val="3187891013"/>
       </p:ext>
     </p:extLst>
   </p:cSld>
@@ -1914,9 +1932,10 @@
           </a:lstStyle>
           <a:p>
             <a:r>
-              <a:rPr lang="en-US"/>
+              <a:rPr lang="en-US" smtClean="0"/>
               <a:t>Click to edit Master title style</a:t>
             </a:r>
+            <a:endParaRPr lang="en-US" dirty="0"/>
           </a:p>
         </p:txBody>
       </p:sp>
@@ -1970,37 +1989,38 @@
           <a:p>
             <a:pPr lvl="0"/>
             <a:r>
-              <a:rPr lang="en-US"/>
+              <a:rPr lang="en-US" smtClean="0"/>
               <a:t>Click to edit Master text styles</a:t>
             </a:r>
           </a:p>
           <a:p>
             <a:pPr lvl="1"/>
             <a:r>
-              <a:rPr lang="en-US"/>
+              <a:rPr lang="en-US" smtClean="0"/>
               <a:t>Second level</a:t>
             </a:r>
           </a:p>
           <a:p>
             <a:pPr lvl="2"/>
             <a:r>
-              <a:rPr lang="en-US"/>
+              <a:rPr lang="en-US" smtClean="0"/>
               <a:t>Third level</a:t>
             </a:r>
           </a:p>
           <a:p>
             <a:pPr lvl="3"/>
             <a:r>
-              <a:rPr lang="en-US"/>
+              <a:rPr lang="en-US" smtClean="0"/>
               <a:t>Fourth level</a:t>
             </a:r>
           </a:p>
           <a:p>
             <a:pPr lvl="4"/>
             <a:r>
-              <a:rPr lang="en-US"/>
+              <a:rPr lang="en-US" smtClean="0"/>
               <a:t>Fifth level</a:t>
             </a:r>
+            <a:endParaRPr lang="en-US" dirty="0"/>
           </a:p>
         </p:txBody>
       </p:sp>
@@ -2063,7 +2083,7 @@
           <a:p>
             <a:pPr lvl="0"/>
             <a:r>
-              <a:rPr lang="en-US"/>
+              <a:rPr lang="en-US" smtClean="0"/>
               <a:t>Click to edit Master text styles</a:t>
             </a:r>
           </a:p>
@@ -2137,7 +2157,7 @@
     </p:spTree>
     <p:extLst>
       <p:ext uri="{BB962C8B-B14F-4D97-AF65-F5344CB8AC3E}">
-        <p14:creationId xmlns:p14="http://schemas.microsoft.com/office/powerpoint/2010/main" val="712049918"/>
+        <p14:creationId xmlns:p14="http://schemas.microsoft.com/office/powerpoint/2010/main" val="283174357"/>
       </p:ext>
     </p:extLst>
   </p:cSld>
@@ -2189,9 +2209,10 @@
           </a:lstStyle>
           <a:p>
             <a:r>
-              <a:rPr lang="en-US"/>
+              <a:rPr lang="en-US" smtClean="0"/>
               <a:t>Click to edit Master title style</a:t>
             </a:r>
+            <a:endParaRPr lang="en-US" dirty="0"/>
           </a:p>
         </p:txBody>
       </p:sp>
@@ -2199,7 +2220,7 @@
         <p:nvSpPr>
           <p:cNvPr id="3" name="Picture Placeholder 2"/>
           <p:cNvSpPr>
-            <a:spLocks noGrp="1"/>
+            <a:spLocks noGrp="1" noChangeAspect="1"/>
           </p:cNvSpPr>
           <p:nvPr>
             <p:ph type="pic" idx="1"/>
@@ -2212,7 +2233,7 @@
           </a:xfrm>
         </p:spPr>
         <p:txBody>
-          <a:bodyPr/>
+          <a:bodyPr anchor="t"/>
           <a:lstStyle>
             <a:lvl1pPr marL="0" indent="0">
               <a:buNone/>
@@ -2252,7 +2273,11 @@
             </a:lvl9pPr>
           </a:lstStyle>
           <a:p>
-            <a:endParaRPr lang="en-US"/>
+            <a:r>
+              <a:rPr lang="en-US" smtClean="0"/>
+              <a:t>Click icon to add picture</a:t>
+            </a:r>
+            <a:endParaRPr lang="en-US" dirty="0"/>
           </a:p>
         </p:txBody>
       </p:sp>
@@ -2315,7 +2340,7 @@
           <a:p>
             <a:pPr lvl="0"/>
             <a:r>
-              <a:rPr lang="en-US"/>
+              <a:rPr lang="en-US" smtClean="0"/>
               <a:t>Click to edit Master text styles</a:t>
             </a:r>
           </a:p>
@@ -2389,7 +2414,7 @@
     </p:spTree>
     <p:extLst>
       <p:ext uri="{BB962C8B-B14F-4D97-AF65-F5344CB8AC3E}">
-        <p14:creationId xmlns:p14="http://schemas.microsoft.com/office/powerpoint/2010/main" val="1378077734"/>
+        <p14:creationId xmlns:p14="http://schemas.microsoft.com/office/powerpoint/2010/main" val="2736233688"/>
       </p:ext>
     </p:extLst>
   </p:cSld>
@@ -2403,19 +2428,9 @@
 <p:sldMaster xmlns:a="http://schemas.openxmlformats.org/drawingml/2006/main" xmlns:r="http://schemas.openxmlformats.org/officeDocument/2006/relationships" xmlns:p="http://schemas.openxmlformats.org/presentationml/2006/main">
   <p:cSld>
     <p:bg>
-      <p:bgPr>
-        <a:blipFill dpi="0" rotWithShape="1">
-          <a:blip r:embed="rId13">
-            <a:alphaModFix amt="7000"/>
-            <a:lum/>
-          </a:blip>
-          <a:srcRect/>
-          <a:stretch>
-            <a:fillRect t="-30000" b="-30000"/>
-          </a:stretch>
-        </a:blipFill>
-        <a:effectLst/>
-      </p:bgPr>
+      <p:bgRef idx="1001">
+        <a:schemeClr val="bg1"/>
+      </p:bgRef>
     </p:bg>
     <p:spTree>
       <p:nvGrpSpPr>
@@ -2457,9 +2472,10 @@
           <a:lstStyle/>
           <a:p>
             <a:r>
-              <a:rPr lang="en-US"/>
+              <a:rPr lang="en-US" smtClean="0"/>
               <a:t>Click to edit Master title style</a:t>
             </a:r>
+            <a:endParaRPr lang="en-US" dirty="0"/>
           </a:p>
         </p:txBody>
       </p:sp>
@@ -2490,37 +2506,38 @@
           <a:p>
             <a:pPr lvl="0"/>
             <a:r>
-              <a:rPr lang="en-US"/>
+              <a:rPr lang="en-US" smtClean="0"/>
               <a:t>Click to edit Master text styles</a:t>
             </a:r>
           </a:p>
           <a:p>
             <a:pPr lvl="1"/>
             <a:r>
-              <a:rPr lang="en-US"/>
+              <a:rPr lang="en-US" smtClean="0"/>
               <a:t>Second level</a:t>
             </a:r>
           </a:p>
           <a:p>
             <a:pPr lvl="2"/>
             <a:r>
-              <a:rPr lang="en-US"/>
+              <a:rPr lang="en-US" smtClean="0"/>
               <a:t>Third level</a:t>
             </a:r>
           </a:p>
           <a:p>
             <a:pPr lvl="3"/>
             <a:r>
-              <a:rPr lang="en-US"/>
+              <a:rPr lang="en-US" smtClean="0"/>
               <a:t>Fourth level</a:t>
             </a:r>
           </a:p>
           <a:p>
             <a:pPr lvl="4"/>
             <a:r>
-              <a:rPr lang="en-US"/>
+              <a:rPr lang="en-US" smtClean="0"/>
               <a:t>Fifth level</a:t>
             </a:r>
+            <a:endParaRPr lang="en-US" dirty="0"/>
           </a:p>
         </p:txBody>
       </p:sp>
@@ -2646,23 +2663,23 @@
     </p:spTree>
     <p:extLst>
       <p:ext uri="{BB962C8B-B14F-4D97-AF65-F5344CB8AC3E}">
-        <p14:creationId xmlns:p14="http://schemas.microsoft.com/office/powerpoint/2010/main" val="4175954101"/>
+        <p14:creationId xmlns:p14="http://schemas.microsoft.com/office/powerpoint/2010/main" val="2795653537"/>
       </p:ext>
     </p:extLst>
   </p:cSld>
-  <p:clrMap bg1="lt1" tx1="dk1" bg2="lt2" tx2="dk2" accent1="accent1" accent2="accent2" accent3="accent3" accent4="accent4" accent5="accent5" accent6="accent6" hlink="hlink" folHlink="folHlink"/>
+  <p:clrMap bg1="dk1" tx1="lt1" bg2="dk2" tx2="lt2" accent1="accent1" accent2="accent2" accent3="accent3" accent4="accent4" accent5="accent5" accent6="accent6" hlink="hlink" folHlink="folHlink"/>
   <p:sldLayoutIdLst>
-    <p:sldLayoutId id="2147483649" r:id="rId1"/>
-    <p:sldLayoutId id="2147483650" r:id="rId2"/>
-    <p:sldLayoutId id="2147483651" r:id="rId3"/>
-    <p:sldLayoutId id="2147483652" r:id="rId4"/>
-    <p:sldLayoutId id="2147483653" r:id="rId5"/>
-    <p:sldLayoutId id="2147483654" r:id="rId6"/>
-    <p:sldLayoutId id="2147483655" r:id="rId7"/>
-    <p:sldLayoutId id="2147483656" r:id="rId8"/>
-    <p:sldLayoutId id="2147483657" r:id="rId9"/>
-    <p:sldLayoutId id="2147483658" r:id="rId10"/>
-    <p:sldLayoutId id="2147483659" r:id="rId11"/>
+    <p:sldLayoutId id="2147483661" r:id="rId1"/>
+    <p:sldLayoutId id="2147483662" r:id="rId2"/>
+    <p:sldLayoutId id="2147483663" r:id="rId3"/>
+    <p:sldLayoutId id="2147483664" r:id="rId4"/>
+    <p:sldLayoutId id="2147483665" r:id="rId5"/>
+    <p:sldLayoutId id="2147483666" r:id="rId6"/>
+    <p:sldLayoutId id="2147483667" r:id="rId7"/>
+    <p:sldLayoutId id="2147483668" r:id="rId8"/>
+    <p:sldLayoutId id="2147483669" r:id="rId9"/>
+    <p:sldLayoutId id="2147483670" r:id="rId10"/>
+    <p:sldLayoutId id="2147483671" r:id="rId11"/>
   </p:sldLayoutIdLst>
   <p:txStyles>
     <p:titleStyle>
@@ -2974,73 +2991,108 @@
             <p:ph type="ctrTitle"/>
           </p:nvPr>
         </p:nvSpPr>
-        <p:spPr/>
-        <p:txBody>
-          <a:bodyPr/>
-          <a:lstStyle/>
-          <a:p>
-            <a:r>
-              <a:rPr lang="en-US" dirty="0"/>
-              <a:t>DRAFT CHAT SERVER</a:t>
-            </a:r>
-          </a:p>
-        </p:txBody>
-      </p:sp>
-      <p:sp>
-        <p:nvSpPr>
-          <p:cNvPr id="3" name="Subtitle 2"/>
-          <p:cNvSpPr>
-            <a:spLocks noGrp="1"/>
-          </p:cNvSpPr>
-          <p:nvPr>
-            <p:ph type="subTitle" idx="1"/>
-          </p:nvPr>
-        </p:nvSpPr>
         <p:spPr>
           <a:xfrm>
-            <a:off x="1524000" y="3602038"/>
+            <a:off x="1524000" y="1122363"/>
+            <a:ext cx="9144000" cy="1827314"/>
+          </a:xfrm>
+        </p:spPr>
+        <p:txBody>
+          <a:bodyPr/>
+          <a:lstStyle/>
+          <a:p>
+            <a:r>
+              <a:rPr lang="en-US" dirty="0">
+                <a:latin typeface="Trebuchet MS" panose="020B0603020202020204" pitchFamily="34" charset="0"/>
+              </a:rPr>
+              <a:t>DRAFT CHAT SERVER</a:t>
+            </a:r>
+          </a:p>
+        </p:txBody>
+      </p:sp>
+      <p:sp>
+        <p:nvSpPr>
+          <p:cNvPr id="3" name="Subtitle 2"/>
+          <p:cNvSpPr>
+            <a:spLocks noGrp="1"/>
+          </p:cNvSpPr>
+          <p:nvPr>
+            <p:ph type="subTitle" idx="1"/>
+          </p:nvPr>
+        </p:nvSpPr>
+        <p:spPr>
+          <a:xfrm>
+            <a:off x="1524000" y="3675778"/>
             <a:ext cx="9144000" cy="1846262"/>
           </a:xfrm>
         </p:spPr>
         <p:txBody>
           <a:bodyPr>
-            <a:normAutofit fontScale="92500" lnSpcReduction="20000"/>
+            <a:noAutofit/>
           </a:bodyPr>
           <a:lstStyle/>
           <a:p>
-            <a:r>
-              <a:rPr lang="en-US" dirty="0"/>
+            <a:pPr algn="l"/>
+            <a:r>
+              <a:rPr lang="en-US" dirty="0" smtClean="0">
+                <a:latin typeface="Trebuchet MS" panose="020B0603020202020204" pitchFamily="34" charset="0"/>
+              </a:rPr>
               <a:t>KELOMPOK1</a:t>
             </a:r>
           </a:p>
           <a:p>
-            <a:r>
-              <a:rPr lang="en-US" dirty="0"/>
+            <a:pPr algn="l"/>
+            <a:r>
+              <a:rPr lang="en-US" dirty="0" smtClean="0">
+                <a:latin typeface="Trebuchet MS" panose="020B0603020202020204" pitchFamily="34" charset="0"/>
+              </a:rPr>
+              <a:t>5111100101 JORDY ADHITYO P</a:t>
+            </a:r>
+            <a:endParaRPr lang="en-US" dirty="0">
+              <a:latin typeface="Trebuchet MS" panose="020B0603020202020204" pitchFamily="34" charset="0"/>
+            </a:endParaRPr>
+          </a:p>
+          <a:p>
+            <a:pPr algn="l"/>
+            <a:r>
+              <a:rPr lang="en-US" dirty="0">
+                <a:latin typeface="Trebuchet MS" panose="020B0603020202020204" pitchFamily="34" charset="0"/>
+              </a:rPr>
               <a:t>5114100127 R.AY. NOORMALA NADYA</a:t>
             </a:r>
-            <a:endParaRPr lang="en-US" dirty="0"/>
-          </a:p>
-          <a:p>
-            <a:r>
-              <a:rPr lang="en-US" dirty="0"/>
+          </a:p>
+          <a:p>
+            <a:pPr algn="l"/>
+            <a:r>
+              <a:rPr lang="en-US" dirty="0">
+                <a:latin typeface="Trebuchet MS" panose="020B0603020202020204" pitchFamily="34" charset="0"/>
+              </a:rPr>
               <a:t>5114100043 JEFFRY NASRI FARUKI</a:t>
             </a:r>
           </a:p>
           <a:p>
-            <a:r>
-              <a:rPr lang="en-US" dirty="0"/>
+            <a:pPr algn="l"/>
+            <a:r>
+              <a:rPr lang="en-US" dirty="0">
+                <a:latin typeface="Trebuchet MS" panose="020B0603020202020204" pitchFamily="34" charset="0"/>
+              </a:rPr>
               <a:t>5114100163 M HABIBUR RAHMAN</a:t>
             </a:r>
           </a:p>
           <a:p>
-            <a:r>
-              <a:rPr lang="en-US" dirty="0"/>
+            <a:pPr algn="l"/>
+            <a:r>
+              <a:rPr lang="en-US" dirty="0">
+                <a:latin typeface="Trebuchet MS" panose="020B0603020202020204" pitchFamily="34" charset="0"/>
+              </a:rPr>
               <a:t>5114100178 KUKUH RILO PAMBUDI</a:t>
             </a:r>
-            <a:endParaRPr lang="en-US" dirty="0"/>
-          </a:p>
-          <a:p>
-            <a:endParaRPr lang="en-US" dirty="0"/>
+          </a:p>
+          <a:p>
+            <a:pPr algn="l"/>
+            <a:endParaRPr lang="en-US" dirty="0">
+              <a:latin typeface="Trebuchet MS" panose="020B0603020202020204" pitchFamily="34" charset="0"/>
+            </a:endParaRPr>
           </a:p>
         </p:txBody>
       </p:sp>
@@ -3054,6 +3106,13 @@
   <p:clrMapOvr>
     <a:masterClrMapping/>
   </p:clrMapOvr>
+  <p:timing>
+    <p:tnLst>
+      <p:par>
+        <p:cTn id="1" dur="indefinite" restart="never" nodeType="tmRoot"/>
+      </p:par>
+    </p:tnLst>
+  </p:timing>
 </p:sld>
 </file>
 
@@ -3090,7 +3149,9 @@
           <a:lstStyle/>
           <a:p>
             <a:r>
-              <a:rPr lang="en-US" dirty="0"/>
+              <a:rPr lang="en-US" dirty="0">
+                <a:latin typeface="Trebuchet MS" panose="020B0603020202020204" pitchFamily="34" charset="0"/>
+              </a:rPr>
               <a:t>AUTENTIKASI</a:t>
             </a:r>
           </a:p>
@@ -3114,126 +3175,178 @@
           <a:lstStyle/>
           <a:p>
             <a:r>
-              <a:rPr lang="en-US" dirty="0"/>
+              <a:rPr lang="en-US" dirty="0">
+                <a:latin typeface="Trebuchet MS" panose="020B0603020202020204" pitchFamily="34" charset="0"/>
+              </a:rPr>
               <a:t>LOGIN</a:t>
             </a:r>
           </a:p>
           <a:p>
             <a:pPr lvl="1"/>
             <a:r>
-              <a:rPr lang="en-US" dirty="0"/>
+              <a:rPr lang="en-US" dirty="0">
+                <a:latin typeface="Trebuchet MS" panose="020B0603020202020204" pitchFamily="34" charset="0"/>
+              </a:rPr>
               <a:t>Format message: </a:t>
             </a:r>
           </a:p>
           <a:p>
             <a:pPr lvl="2"/>
             <a:r>
-              <a:rPr lang="en-US" dirty="0"/>
-              <a:t>Login </a:t>
-            </a:r>
-            <a:r>
-              <a:rPr lang="en-US" dirty="0" err="1"/>
+              <a:rPr lang="en-US" dirty="0" smtClean="0">
+                <a:latin typeface="Trebuchet MS" panose="020B0603020202020204" pitchFamily="34" charset="0"/>
+              </a:rPr>
+              <a:t>LOGIN </a:t>
+            </a:r>
+            <a:r>
+              <a:rPr lang="en-US" dirty="0" err="1">
+                <a:latin typeface="Trebuchet MS" panose="020B0603020202020204" pitchFamily="34" charset="0"/>
+              </a:rPr>
               <a:t>spasi</a:t>
             </a:r>
             <a:r>
-              <a:rPr lang="en-US" dirty="0"/>
+              <a:rPr lang="en-US" dirty="0">
+                <a:latin typeface="Trebuchet MS" panose="020B0603020202020204" pitchFamily="34" charset="0"/>
+              </a:rPr>
               <a:t> USER_NAME </a:t>
             </a:r>
             <a:r>
-              <a:rPr lang="en-US" dirty="0" err="1"/>
+              <a:rPr lang="en-US" dirty="0" err="1">
+                <a:latin typeface="Trebuchet MS" panose="020B0603020202020204" pitchFamily="34" charset="0"/>
+              </a:rPr>
               <a:t>spasi</a:t>
             </a:r>
             <a:r>
-              <a:rPr lang="en-US" dirty="0"/>
+              <a:rPr lang="en-US" dirty="0">
+                <a:latin typeface="Trebuchet MS" panose="020B0603020202020204" pitchFamily="34" charset="0"/>
+              </a:rPr>
               <a:t> password \r\n</a:t>
             </a:r>
           </a:p>
           <a:p>
             <a:pPr lvl="1"/>
             <a:r>
-              <a:rPr lang="en-US" dirty="0"/>
-              <a:t>RETURN &gt;</a:t>
-            </a:r>
+              <a:rPr lang="en-US" dirty="0" smtClean="0">
+                <a:latin typeface="Trebuchet MS" panose="020B0603020202020204" pitchFamily="34" charset="0"/>
+              </a:rPr>
+              <a:t>Return &gt;</a:t>
+            </a:r>
+            <a:endParaRPr lang="en-US" dirty="0">
+              <a:latin typeface="Trebuchet MS" panose="020B0603020202020204" pitchFamily="34" charset="0"/>
+            </a:endParaRPr>
           </a:p>
           <a:p>
             <a:pPr lvl="2"/>
             <a:r>
-              <a:rPr lang="en-US" dirty="0" err="1"/>
+              <a:rPr lang="en-US" dirty="0" err="1">
+                <a:latin typeface="Trebuchet MS" panose="020B0603020202020204" pitchFamily="34" charset="0"/>
+              </a:rPr>
               <a:t>Sukses</a:t>
             </a:r>
-            <a:endParaRPr lang="en-US" dirty="0"/>
+            <a:endParaRPr lang="en-US" dirty="0">
+              <a:latin typeface="Trebuchet MS" panose="020B0603020202020204" pitchFamily="34" charset="0"/>
+            </a:endParaRPr>
           </a:p>
           <a:p>
             <a:pPr lvl="2"/>
             <a:r>
-              <a:rPr lang="en-US" dirty="0" err="1"/>
+              <a:rPr lang="en-US" dirty="0" err="1">
+                <a:latin typeface="Trebuchet MS" panose="020B0603020202020204" pitchFamily="34" charset="0"/>
+              </a:rPr>
               <a:t>Gagal</a:t>
             </a:r>
-            <a:endParaRPr lang="en-US" dirty="0"/>
+            <a:endParaRPr lang="en-US" dirty="0">
+              <a:latin typeface="Trebuchet MS" panose="020B0603020202020204" pitchFamily="34" charset="0"/>
+            </a:endParaRPr>
           </a:p>
           <a:p>
             <a:pPr lvl="1"/>
             <a:r>
-              <a:rPr lang="en-US" dirty="0"/>
+              <a:rPr lang="en-US" dirty="0">
+                <a:latin typeface="Trebuchet MS" panose="020B0603020202020204" pitchFamily="34" charset="0"/>
+              </a:rPr>
               <a:t>Parameter :</a:t>
             </a:r>
           </a:p>
           <a:p>
             <a:pPr lvl="2"/>
             <a:r>
-              <a:rPr lang="en-US" dirty="0"/>
+              <a:rPr lang="en-US" dirty="0">
+                <a:latin typeface="Trebuchet MS" panose="020B0603020202020204" pitchFamily="34" charset="0"/>
+              </a:rPr>
               <a:t>USER_NAME : ALPHANUMERIC</a:t>
             </a:r>
           </a:p>
           <a:p>
             <a:pPr lvl="2"/>
             <a:r>
-              <a:rPr lang="en-US" dirty="0"/>
+              <a:rPr lang="en-US" dirty="0">
+                <a:latin typeface="Trebuchet MS" panose="020B0603020202020204" pitchFamily="34" charset="0"/>
+              </a:rPr>
               <a:t>Password : ALPHANUMERIC </a:t>
             </a:r>
           </a:p>
           <a:p>
             <a:r>
-              <a:rPr lang="en-US" dirty="0"/>
+              <a:rPr lang="en-US" dirty="0">
+                <a:latin typeface="Trebuchet MS" panose="020B0603020202020204" pitchFamily="34" charset="0"/>
+              </a:rPr>
               <a:t>LOGOUT</a:t>
             </a:r>
           </a:p>
           <a:p>
             <a:pPr lvl="1"/>
             <a:r>
-              <a:rPr lang="en-US" dirty="0"/>
+              <a:rPr lang="en-US" dirty="0">
+                <a:latin typeface="Trebuchet MS" panose="020B0603020202020204" pitchFamily="34" charset="0"/>
+              </a:rPr>
               <a:t>Format message:</a:t>
             </a:r>
           </a:p>
           <a:p>
             <a:pPr lvl="2"/>
             <a:r>
-              <a:rPr lang="en-US" dirty="0"/>
-              <a:t>Logout</a:t>
-            </a:r>
+              <a:rPr lang="en-US" dirty="0" smtClean="0">
+                <a:latin typeface="Trebuchet MS" panose="020B0603020202020204" pitchFamily="34" charset="0"/>
+              </a:rPr>
+              <a:t>LOGOUT</a:t>
+            </a:r>
+            <a:endParaRPr lang="en-US" dirty="0">
+              <a:latin typeface="Trebuchet MS" panose="020B0603020202020204" pitchFamily="34" charset="0"/>
+            </a:endParaRPr>
           </a:p>
           <a:p>
             <a:pPr lvl="1"/>
             <a:r>
-              <a:rPr lang="en-US" dirty="0"/>
+              <a:rPr lang="en-US" dirty="0">
+                <a:latin typeface="Trebuchet MS" panose="020B0603020202020204" pitchFamily="34" charset="0"/>
+              </a:rPr>
               <a:t>Return &gt; </a:t>
             </a:r>
             <a:r>
-              <a:rPr lang="en-US" dirty="0" err="1"/>
+              <a:rPr lang="en-US" dirty="0" err="1">
+                <a:latin typeface="Trebuchet MS" panose="020B0603020202020204" pitchFamily="34" charset="0"/>
+              </a:rPr>
               <a:t>suksess</a:t>
             </a:r>
-            <a:endParaRPr lang="en-US" dirty="0"/>
+            <a:endParaRPr lang="en-US" dirty="0">
+              <a:latin typeface="Trebuchet MS" panose="020B0603020202020204" pitchFamily="34" charset="0"/>
+            </a:endParaRPr>
           </a:p>
           <a:p>
             <a:pPr lvl="1"/>
             <a:r>
-              <a:rPr lang="en-US" dirty="0"/>
+              <a:rPr lang="en-US" dirty="0">
+                <a:latin typeface="Trebuchet MS" panose="020B0603020202020204" pitchFamily="34" charset="0"/>
+              </a:rPr>
               <a:t>Parameter : -</a:t>
             </a:r>
           </a:p>
           <a:p>
             <a:pPr lvl="1"/>
-            <a:endParaRPr lang="en-US" dirty="0"/>
+            <a:endParaRPr lang="en-US" dirty="0">
+              <a:latin typeface="Trebuchet MS" panose="020B0603020202020204" pitchFamily="34" charset="0"/>
+            </a:endParaRPr>
           </a:p>
         </p:txBody>
       </p:sp>
@@ -3247,6 +3360,13 @@
   <p:clrMapOvr>
     <a:masterClrMapping/>
   </p:clrMapOvr>
+  <p:timing>
+    <p:tnLst>
+      <p:par>
+        <p:cTn id="1" dur="indefinite" restart="never" nodeType="tmRoot"/>
+      </p:par>
+    </p:tnLst>
+  </p:timing>
 </p:sld>
 </file>
 
@@ -3283,8 +3403,10 @@
           <a:lstStyle/>
           <a:p>
             <a:r>
-              <a:rPr lang="en-US" dirty="0"/>
-              <a:t>PESAN</a:t>
+              <a:rPr lang="en-US" dirty="0">
+                <a:latin typeface="Trebuchet MS" panose="020B0603020202020204" pitchFamily="34" charset="0"/>
+              </a:rPr>
+              <a:t>AUTENTIKASI</a:t>
             </a:r>
           </a:p>
         </p:txBody>
@@ -3307,185 +3429,147 @@
           <a:lstStyle/>
           <a:p>
             <a:r>
-              <a:rPr lang="en-US" dirty="0" err="1"/>
-              <a:t>Tulis</a:t>
-            </a:r>
-            <a:r>
-              <a:rPr lang="en-US" dirty="0"/>
+              <a:rPr lang="en-US" dirty="0" smtClean="0">
+                <a:latin typeface="Trebuchet MS" panose="020B0603020202020204" pitchFamily="34" charset="0"/>
+              </a:rPr>
+              <a:t>DAFTAR</a:t>
+            </a:r>
+          </a:p>
+          <a:p>
+            <a:pPr marL="693738" indent="-236538"/>
+            <a:r>
+              <a:rPr lang="en-US" dirty="0" smtClean="0">
+                <a:latin typeface="Trebuchet MS" panose="020B0603020202020204" pitchFamily="34" charset="0"/>
+              </a:rPr>
+              <a:t>Format </a:t>
+            </a:r>
+            <a:r>
+              <a:rPr lang="en-US" dirty="0">
+                <a:latin typeface="Trebuchet MS" panose="020B0603020202020204" pitchFamily="34" charset="0"/>
+              </a:rPr>
+              <a:t>message:</a:t>
+            </a:r>
+          </a:p>
+          <a:p>
+            <a:pPr marL="914400" lvl="2" indent="0">
+              <a:buNone/>
+            </a:pPr>
+            <a:r>
+              <a:rPr lang="en-US" dirty="0" smtClean="0">
+                <a:latin typeface="Trebuchet MS" panose="020B0603020202020204" pitchFamily="34" charset="0"/>
+              </a:rPr>
+              <a:t>DAFTAR</a:t>
+            </a:r>
+            <a:r>
+              <a:rPr lang="en-US" dirty="0" smtClean="0">
+                <a:latin typeface="Trebuchet MS" panose="020B0603020202020204" pitchFamily="34" charset="0"/>
+              </a:rPr>
               <a:t> </a:t>
             </a:r>
             <a:r>
-              <a:rPr lang="en-US" dirty="0" err="1"/>
-              <a:t>pesan</a:t>
-            </a:r>
-            <a:r>
-              <a:rPr lang="en-US" dirty="0"/>
-              <a:t>:</a:t>
+              <a:rPr lang="en-US" dirty="0" err="1">
+                <a:latin typeface="Trebuchet MS" panose="020B0603020202020204" pitchFamily="34" charset="0"/>
+              </a:rPr>
+              <a:t>spasi</a:t>
+            </a:r>
+            <a:r>
+              <a:rPr lang="en-US" dirty="0">
+                <a:latin typeface="Trebuchet MS" panose="020B0603020202020204" pitchFamily="34" charset="0"/>
+              </a:rPr>
+              <a:t> USER_NAME </a:t>
+            </a:r>
+            <a:r>
+              <a:rPr lang="en-US" dirty="0" err="1">
+                <a:latin typeface="Trebuchet MS" panose="020B0603020202020204" pitchFamily="34" charset="0"/>
+              </a:rPr>
+              <a:t>spasi</a:t>
+            </a:r>
+            <a:r>
+              <a:rPr lang="en-US" dirty="0">
+                <a:latin typeface="Trebuchet MS" panose="020B0603020202020204" pitchFamily="34" charset="0"/>
+              </a:rPr>
+              <a:t> password \r\n</a:t>
             </a:r>
           </a:p>
           <a:p>
             <a:pPr lvl="1"/>
             <a:r>
-              <a:rPr lang="en-US" dirty="0"/>
-              <a:t>Format message:</a:t>
+              <a:rPr lang="en-US" dirty="0">
+                <a:latin typeface="Trebuchet MS" panose="020B0603020202020204" pitchFamily="34" charset="0"/>
+              </a:rPr>
+              <a:t>RETURN &gt;</a:t>
             </a:r>
           </a:p>
           <a:p>
             <a:pPr lvl="2"/>
             <a:r>
-              <a:rPr lang="en-US" dirty="0"/>
-              <a:t>KIRIM </a:t>
-            </a:r>
-            <a:r>
-              <a:rPr lang="en-US" dirty="0" err="1"/>
-              <a:t>spasi</a:t>
-            </a:r>
-            <a:r>
-              <a:rPr lang="en-US" dirty="0"/>
-              <a:t> USER_NAME_TUJUNAN </a:t>
-            </a:r>
-            <a:r>
-              <a:rPr lang="en-US" dirty="0" err="1"/>
-              <a:t>spasi</a:t>
-            </a:r>
-            <a:r>
-              <a:rPr lang="en-US" dirty="0"/>
-              <a:t> USER_NAME_PENGIRIM </a:t>
-            </a:r>
-            <a:r>
-              <a:rPr lang="en-US" dirty="0" err="1"/>
-              <a:t>spasi</a:t>
-            </a:r>
-            <a:r>
-              <a:rPr lang="en-US" dirty="0"/>
-              <a:t> </a:t>
-            </a:r>
-            <a:r>
-              <a:rPr lang="en-US" dirty="0" err="1"/>
-              <a:t>isi_pesan</a:t>
-            </a:r>
-            <a:endParaRPr lang="en-US" dirty="0"/>
+              <a:rPr lang="en-US" dirty="0" err="1">
+                <a:latin typeface="Trebuchet MS" panose="020B0603020202020204" pitchFamily="34" charset="0"/>
+              </a:rPr>
+              <a:t>Sukses</a:t>
+            </a:r>
+            <a:endParaRPr lang="en-US" dirty="0">
+              <a:latin typeface="Trebuchet MS" panose="020B0603020202020204" pitchFamily="34" charset="0"/>
+            </a:endParaRPr>
+          </a:p>
+          <a:p>
+            <a:pPr lvl="2"/>
+            <a:r>
+              <a:rPr lang="en-US" dirty="0" err="1">
+                <a:latin typeface="Trebuchet MS" panose="020B0603020202020204" pitchFamily="34" charset="0"/>
+              </a:rPr>
+              <a:t>Gagal</a:t>
+            </a:r>
+            <a:endParaRPr lang="en-US" dirty="0">
+              <a:latin typeface="Trebuchet MS" panose="020B0603020202020204" pitchFamily="34" charset="0"/>
+            </a:endParaRPr>
           </a:p>
           <a:p>
             <a:pPr lvl="1"/>
             <a:r>
-              <a:rPr lang="en-US" dirty="0"/>
-              <a:t>Parameter:</a:t>
+              <a:rPr lang="en-US" dirty="0">
+                <a:latin typeface="Trebuchet MS" panose="020B0603020202020204" pitchFamily="34" charset="0"/>
+              </a:rPr>
+              <a:t>Parameter :</a:t>
             </a:r>
           </a:p>
           <a:p>
             <a:pPr lvl="2"/>
             <a:r>
-              <a:rPr lang="en-US" dirty="0"/>
-              <a:t>USER_NAME_TUJUAN</a:t>
+              <a:rPr lang="en-US" dirty="0">
+                <a:latin typeface="Trebuchet MS" panose="020B0603020202020204" pitchFamily="34" charset="0"/>
+              </a:rPr>
+              <a:t>USER_NAME : ALPHANUMERIC</a:t>
             </a:r>
           </a:p>
           <a:p>
             <a:pPr lvl="2"/>
             <a:r>
-              <a:rPr lang="en-US" dirty="0"/>
-              <a:t>USER_NAME_PENGIRIM</a:t>
-            </a:r>
-          </a:p>
-          <a:p>
-            <a:pPr lvl="2"/>
-            <a:r>
-              <a:rPr lang="en-US" dirty="0" err="1"/>
-              <a:t>Isi_pesan</a:t>
-            </a:r>
-            <a:endParaRPr lang="en-US" dirty="0"/>
-          </a:p>
-          <a:p>
-            <a:pPr lvl="1"/>
-            <a:r>
-              <a:rPr lang="en-US" dirty="0"/>
-              <a:t>Return&gt;</a:t>
-            </a:r>
-          </a:p>
-          <a:p>
-            <a:pPr lvl="2"/>
-            <a:r>
-              <a:rPr lang="en-US" dirty="0" err="1"/>
-              <a:t>Sukses</a:t>
-            </a:r>
-            <a:endParaRPr lang="en-US" dirty="0"/>
-          </a:p>
-          <a:p>
-            <a:pPr lvl="2"/>
-            <a:r>
-              <a:rPr lang="en-US" dirty="0" err="1"/>
-              <a:t>Gagal</a:t>
-            </a:r>
-            <a:r>
-              <a:rPr lang="en-US" dirty="0"/>
-              <a:t> &gt; </a:t>
-            </a:r>
-            <a:r>
-              <a:rPr lang="en-US" dirty="0" err="1"/>
-              <a:t>karena</a:t>
-            </a:r>
-            <a:r>
-              <a:rPr lang="en-US" dirty="0"/>
-              <a:t> USER_NAME_TUJUAN </a:t>
-            </a:r>
-            <a:r>
-              <a:rPr lang="en-US" dirty="0" err="1"/>
-              <a:t>tidak</a:t>
-            </a:r>
-            <a:r>
-              <a:rPr lang="en-US" dirty="0"/>
-              <a:t> </a:t>
-            </a:r>
-            <a:r>
-              <a:rPr lang="en-US" dirty="0" err="1"/>
-              <a:t>ada</a:t>
-            </a:r>
-            <a:r>
-              <a:rPr lang="en-US" dirty="0"/>
-              <a:t>, USER_NAME_PENGIRIM </a:t>
-            </a:r>
-            <a:r>
-              <a:rPr lang="en-US" dirty="0" err="1"/>
-              <a:t>tidak</a:t>
-            </a:r>
-            <a:r>
-              <a:rPr lang="en-US" dirty="0"/>
-              <a:t> </a:t>
-            </a:r>
-            <a:r>
-              <a:rPr lang="en-US" dirty="0" err="1"/>
-              <a:t>ada</a:t>
-            </a:r>
-            <a:r>
-              <a:rPr lang="en-US" dirty="0"/>
-              <a:t>, USER_NAME </a:t>
-            </a:r>
-            <a:r>
-              <a:rPr lang="en-US" dirty="0" err="1"/>
-              <a:t>belum</a:t>
-            </a:r>
-            <a:r>
-              <a:rPr lang="en-US" dirty="0"/>
-              <a:t> </a:t>
-            </a:r>
-            <a:r>
-              <a:rPr lang="en-US" dirty="0" err="1"/>
-              <a:t>terautentikasi</a:t>
-            </a:r>
-            <a:endParaRPr lang="en-US" dirty="0"/>
+              <a:rPr lang="en-US" dirty="0">
+                <a:latin typeface="Trebuchet MS" panose="020B0603020202020204" pitchFamily="34" charset="0"/>
+              </a:rPr>
+              <a:t>Password : ALPHANUMERIC </a:t>
+            </a:r>
           </a:p>
         </p:txBody>
       </p:sp>
     </p:spTree>
     <p:extLst>
       <p:ext uri="{BB962C8B-B14F-4D97-AF65-F5344CB8AC3E}">
-        <p14:creationId xmlns:p14="http://schemas.microsoft.com/office/powerpoint/2010/main" val="3798629105"/>
+        <p14:creationId xmlns:p14="http://schemas.microsoft.com/office/powerpoint/2010/main" val="2624125537"/>
       </p:ext>
     </p:extLst>
   </p:cSld>
   <p:clrMapOvr>
     <a:masterClrMapping/>
   </p:clrMapOvr>
+  <p:timing>
+    <p:tnLst>
+      <p:par>
+        <p:cTn id="1" dur="indefinite" restart="never" nodeType="tmRoot"/>
+      </p:par>
+    </p:tnLst>
+  </p:timing>
 </p:sld>
 </file>
 
@@ -3522,8 +3606,10 @@
           <a:lstStyle/>
           <a:p>
             <a:r>
-              <a:rPr lang="en-US" dirty="0"/>
-              <a:t>GRUP</a:t>
+              <a:rPr lang="en-US" dirty="0">
+                <a:latin typeface="Trebuchet MS" panose="020B0603020202020204" pitchFamily="34" charset="0"/>
+              </a:rPr>
+              <a:t>PESAN</a:t>
             </a:r>
           </a:p>
         </p:txBody>
@@ -3541,280 +3627,258 @@
         <p:spPr/>
         <p:txBody>
           <a:bodyPr>
-            <a:normAutofit fontScale="70000" lnSpcReduction="20000"/>
+            <a:normAutofit/>
           </a:bodyPr>
           <a:lstStyle/>
           <a:p>
             <a:r>
-              <a:rPr lang="en-US" dirty="0" err="1"/>
-              <a:t>Buat</a:t>
-            </a:r>
-            <a:r>
-              <a:rPr lang="en-US" dirty="0"/>
+              <a:rPr lang="en-US" dirty="0" smtClean="0">
+                <a:latin typeface="Trebuchet MS" panose="020B0603020202020204" pitchFamily="34" charset="0"/>
+              </a:rPr>
+              <a:t>TULIS PESAN</a:t>
+            </a:r>
+            <a:endParaRPr lang="en-US" dirty="0">
+              <a:latin typeface="Trebuchet MS" panose="020B0603020202020204" pitchFamily="34" charset="0"/>
+            </a:endParaRPr>
+          </a:p>
+          <a:p>
+            <a:pPr lvl="1"/>
+            <a:r>
+              <a:rPr lang="en-US" dirty="0">
+                <a:latin typeface="Trebuchet MS" panose="020B0603020202020204" pitchFamily="34" charset="0"/>
+              </a:rPr>
+              <a:t>Format message:</a:t>
+            </a:r>
+          </a:p>
+          <a:p>
+            <a:pPr lvl="2"/>
+            <a:r>
+              <a:rPr lang="en-US" dirty="0">
+                <a:latin typeface="Trebuchet MS" panose="020B0603020202020204" pitchFamily="34" charset="0"/>
+              </a:rPr>
+              <a:t>KIRIM </a:t>
+            </a:r>
+            <a:r>
+              <a:rPr lang="en-US" dirty="0" err="1">
+                <a:latin typeface="Trebuchet MS" panose="020B0603020202020204" pitchFamily="34" charset="0"/>
+              </a:rPr>
+              <a:t>spasi</a:t>
+            </a:r>
+            <a:r>
+              <a:rPr lang="en-US" dirty="0">
+                <a:latin typeface="Trebuchet MS" panose="020B0603020202020204" pitchFamily="34" charset="0"/>
+              </a:rPr>
+              <a:t> USER_NAME_TUJUNAN </a:t>
+            </a:r>
+            <a:r>
+              <a:rPr lang="en-US" dirty="0" err="1">
+                <a:latin typeface="Trebuchet MS" panose="020B0603020202020204" pitchFamily="34" charset="0"/>
+              </a:rPr>
+              <a:t>spasi</a:t>
+            </a:r>
+            <a:r>
+              <a:rPr lang="en-US" dirty="0">
+                <a:latin typeface="Trebuchet MS" panose="020B0603020202020204" pitchFamily="34" charset="0"/>
+              </a:rPr>
+              <a:t> USER_NAME_PENGIRIM </a:t>
+            </a:r>
+            <a:r>
+              <a:rPr lang="en-US" dirty="0" err="1">
+                <a:latin typeface="Trebuchet MS" panose="020B0603020202020204" pitchFamily="34" charset="0"/>
+              </a:rPr>
+              <a:t>spasi</a:t>
+            </a:r>
+            <a:r>
+              <a:rPr lang="en-US" dirty="0">
+                <a:latin typeface="Trebuchet MS" panose="020B0603020202020204" pitchFamily="34" charset="0"/>
+              </a:rPr>
               <a:t> </a:t>
             </a:r>
             <a:r>
-              <a:rPr lang="en-US" dirty="0" err="1"/>
-              <a:t>grup</a:t>
-            </a:r>
-            <a:endParaRPr lang="en-US" dirty="0"/>
+              <a:rPr lang="en-US" dirty="0" err="1">
+                <a:latin typeface="Trebuchet MS" panose="020B0603020202020204" pitchFamily="34" charset="0"/>
+              </a:rPr>
+              <a:t>isi_pesan</a:t>
+            </a:r>
+            <a:endParaRPr lang="en-US" dirty="0">
+              <a:latin typeface="Trebuchet MS" panose="020B0603020202020204" pitchFamily="34" charset="0"/>
+            </a:endParaRPr>
           </a:p>
           <a:p>
             <a:pPr lvl="1"/>
             <a:r>
-              <a:rPr lang="en-US" dirty="0"/>
-              <a:t>Format message:</a:t>
+              <a:rPr lang="en-US" dirty="0">
+                <a:latin typeface="Trebuchet MS" panose="020B0603020202020204" pitchFamily="34" charset="0"/>
+              </a:rPr>
+              <a:t>Parameter:</a:t>
             </a:r>
           </a:p>
           <a:p>
             <a:pPr lvl="2"/>
             <a:r>
-              <a:rPr lang="en-US" dirty="0"/>
-              <a:t>BGRUP </a:t>
-            </a:r>
-            <a:r>
-              <a:rPr lang="en-US" dirty="0" err="1"/>
-              <a:t>spasi</a:t>
-            </a:r>
-            <a:r>
-              <a:rPr lang="en-US" dirty="0"/>
-              <a:t> NAMA_GRUP </a:t>
-            </a:r>
-            <a:r>
-              <a:rPr lang="en-US" dirty="0" err="1"/>
-              <a:t>spasi</a:t>
-            </a:r>
-            <a:r>
-              <a:rPr lang="en-US" dirty="0"/>
-              <a:t> PASS_GRUP</a:t>
-            </a:r>
+              <a:rPr lang="en-US" dirty="0">
+                <a:latin typeface="Trebuchet MS" panose="020B0603020202020204" pitchFamily="34" charset="0"/>
+              </a:rPr>
+              <a:t>USER_NAME_TUJUAN</a:t>
+            </a:r>
+          </a:p>
+          <a:p>
+            <a:pPr lvl="2"/>
+            <a:r>
+              <a:rPr lang="en-US" dirty="0">
+                <a:latin typeface="Trebuchet MS" panose="020B0603020202020204" pitchFamily="34" charset="0"/>
+              </a:rPr>
+              <a:t>USER_NAME_PENGIRIM</a:t>
+            </a:r>
+          </a:p>
+          <a:p>
+            <a:pPr lvl="2"/>
+            <a:r>
+              <a:rPr lang="en-US" dirty="0" err="1">
+                <a:latin typeface="Trebuchet MS" panose="020B0603020202020204" pitchFamily="34" charset="0"/>
+              </a:rPr>
+              <a:t>Isi_pesan</a:t>
+            </a:r>
+            <a:endParaRPr lang="en-US" dirty="0">
+              <a:latin typeface="Trebuchet MS" panose="020B0603020202020204" pitchFamily="34" charset="0"/>
+            </a:endParaRPr>
           </a:p>
           <a:p>
             <a:pPr lvl="1"/>
             <a:r>
-              <a:rPr lang="en-US" dirty="0"/>
-              <a:t>Parameter:</a:t>
+              <a:rPr lang="en-US" dirty="0">
+                <a:latin typeface="Trebuchet MS" panose="020B0603020202020204" pitchFamily="34" charset="0"/>
+              </a:rPr>
+              <a:t>Return&gt;</a:t>
             </a:r>
           </a:p>
           <a:p>
             <a:pPr lvl="2"/>
             <a:r>
-              <a:rPr lang="en-US" dirty="0"/>
-              <a:t>NAMA_GRUP</a:t>
-            </a:r>
+              <a:rPr lang="en-US" dirty="0" err="1">
+                <a:latin typeface="Trebuchet MS" panose="020B0603020202020204" pitchFamily="34" charset="0"/>
+              </a:rPr>
+              <a:t>Sukses</a:t>
+            </a:r>
+            <a:endParaRPr lang="en-US" dirty="0">
+              <a:latin typeface="Trebuchet MS" panose="020B0603020202020204" pitchFamily="34" charset="0"/>
+            </a:endParaRPr>
           </a:p>
           <a:p>
             <a:pPr lvl="2"/>
             <a:r>
-              <a:rPr lang="en-US" dirty="0"/>
-              <a:t>PASS GRUP</a:t>
-            </a:r>
-          </a:p>
-          <a:p>
-            <a:pPr lvl="1"/>
-            <a:r>
-              <a:rPr lang="en-US" dirty="0"/>
-              <a:t>Return&gt;</a:t>
-            </a:r>
-          </a:p>
-          <a:p>
-            <a:pPr lvl="2"/>
-            <a:r>
-              <a:rPr lang="en-US" dirty="0" err="1"/>
-              <a:t>Sukses</a:t>
-            </a:r>
-            <a:endParaRPr lang="en-US" dirty="0"/>
-          </a:p>
-          <a:p>
-            <a:pPr lvl="2"/>
-            <a:r>
-              <a:rPr lang="en-US" dirty="0" err="1"/>
+              <a:rPr lang="en-US" dirty="0" err="1">
+                <a:latin typeface="Trebuchet MS" panose="020B0603020202020204" pitchFamily="34" charset="0"/>
+              </a:rPr>
               <a:t>Gagal</a:t>
             </a:r>
             <a:r>
-              <a:rPr lang="en-US" dirty="0"/>
+              <a:rPr lang="en-US" dirty="0">
+                <a:latin typeface="Trebuchet MS" panose="020B0603020202020204" pitchFamily="34" charset="0"/>
+              </a:rPr>
               <a:t> &gt; </a:t>
             </a:r>
             <a:r>
-              <a:rPr lang="en-US" dirty="0" err="1"/>
+              <a:rPr lang="en-US" dirty="0" err="1">
+                <a:latin typeface="Trebuchet MS" panose="020B0603020202020204" pitchFamily="34" charset="0"/>
+              </a:rPr>
               <a:t>karena</a:t>
             </a:r>
             <a:r>
-              <a:rPr lang="en-US" dirty="0"/>
-              <a:t> NAMA_GRUP </a:t>
-            </a:r>
-            <a:r>
-              <a:rPr lang="en-US" dirty="0" err="1"/>
-              <a:t>sudah</a:t>
-            </a:r>
-            <a:r>
-              <a:rPr lang="en-US" dirty="0"/>
+              <a:rPr lang="en-US" dirty="0">
+                <a:latin typeface="Trebuchet MS" panose="020B0603020202020204" pitchFamily="34" charset="0"/>
+              </a:rPr>
+              <a:t> USER_NAME_TUJUAN </a:t>
+            </a:r>
+            <a:r>
+              <a:rPr lang="en-US" dirty="0" err="1">
+                <a:latin typeface="Trebuchet MS" panose="020B0603020202020204" pitchFamily="34" charset="0"/>
+              </a:rPr>
+              <a:t>tidak</a:t>
+            </a:r>
+            <a:r>
+              <a:rPr lang="en-US" dirty="0">
+                <a:latin typeface="Trebuchet MS" panose="020B0603020202020204" pitchFamily="34" charset="0"/>
+              </a:rPr>
               <a:t> </a:t>
             </a:r>
             <a:r>
-              <a:rPr lang="en-US" dirty="0" err="1"/>
-              <a:t>dipakai</a:t>
-            </a:r>
-            <a:r>
-              <a:rPr lang="en-US" dirty="0"/>
+              <a:rPr lang="en-US" dirty="0" err="1">
+                <a:latin typeface="Trebuchet MS" panose="020B0603020202020204" pitchFamily="34" charset="0"/>
+              </a:rPr>
+              <a:t>ada</a:t>
+            </a:r>
+            <a:r>
+              <a:rPr lang="en-US" dirty="0">
+                <a:latin typeface="Trebuchet MS" panose="020B0603020202020204" pitchFamily="34" charset="0"/>
+              </a:rPr>
+              <a:t>, USER_NAME_PENGIRIM </a:t>
+            </a:r>
+            <a:r>
+              <a:rPr lang="en-US" dirty="0" err="1">
+                <a:latin typeface="Trebuchet MS" panose="020B0603020202020204" pitchFamily="34" charset="0"/>
+              </a:rPr>
+              <a:t>tidak</a:t>
+            </a:r>
+            <a:r>
+              <a:rPr lang="en-US" dirty="0">
+                <a:latin typeface="Trebuchet MS" panose="020B0603020202020204" pitchFamily="34" charset="0"/>
+              </a:rPr>
+              <a:t> </a:t>
+            </a:r>
+            <a:r>
+              <a:rPr lang="en-US" dirty="0" err="1">
+                <a:latin typeface="Trebuchet MS" panose="020B0603020202020204" pitchFamily="34" charset="0"/>
+              </a:rPr>
+              <a:t>ada</a:t>
+            </a:r>
+            <a:r>
+              <a:rPr lang="en-US" dirty="0">
+                <a:latin typeface="Trebuchet MS" panose="020B0603020202020204" pitchFamily="34" charset="0"/>
+              </a:rPr>
               <a:t>, USER_NAME </a:t>
             </a:r>
             <a:r>
-              <a:rPr lang="en-US" dirty="0" err="1"/>
+              <a:rPr lang="en-US" dirty="0" err="1">
+                <a:latin typeface="Trebuchet MS" panose="020B0603020202020204" pitchFamily="34" charset="0"/>
+              </a:rPr>
               <a:t>belum</a:t>
             </a:r>
             <a:r>
-              <a:rPr lang="en-US" dirty="0"/>
+              <a:rPr lang="en-US" dirty="0">
+                <a:latin typeface="Trebuchet MS" panose="020B0603020202020204" pitchFamily="34" charset="0"/>
+              </a:rPr>
               <a:t> </a:t>
             </a:r>
             <a:r>
-              <a:rPr lang="en-US" dirty="0" err="1"/>
+              <a:rPr lang="en-US" dirty="0" err="1">
+                <a:latin typeface="Trebuchet MS" panose="020B0603020202020204" pitchFamily="34" charset="0"/>
+              </a:rPr>
               <a:t>terautentikasi</a:t>
             </a:r>
-            <a:endParaRPr lang="en-US" dirty="0"/>
-          </a:p>
-          <a:p>
-            <a:r>
-              <a:rPr lang="en-US" dirty="0" err="1"/>
-              <a:t>Gabung</a:t>
-            </a:r>
-            <a:r>
-              <a:rPr lang="en-US" dirty="0"/>
-              <a:t> </a:t>
-            </a:r>
-            <a:r>
-              <a:rPr lang="en-US" dirty="0" err="1"/>
-              <a:t>Grup</a:t>
-            </a:r>
-            <a:endParaRPr lang="en-US" dirty="0"/>
-          </a:p>
-          <a:p>
-            <a:pPr lvl="1"/>
-            <a:r>
-              <a:rPr lang="en-US" dirty="0"/>
-              <a:t>Format message:</a:t>
-            </a:r>
-          </a:p>
-          <a:p>
-            <a:pPr lvl="2"/>
-            <a:r>
-              <a:rPr lang="en-US" dirty="0"/>
-              <a:t>GGRUP </a:t>
-            </a:r>
-            <a:r>
-              <a:rPr lang="en-US" dirty="0" err="1"/>
-              <a:t>spasi</a:t>
-            </a:r>
-            <a:r>
-              <a:rPr lang="en-US" dirty="0"/>
-              <a:t> NAMA_GRUP </a:t>
-            </a:r>
-            <a:r>
-              <a:rPr lang="en-US" dirty="0" err="1"/>
-              <a:t>spasi</a:t>
-            </a:r>
-            <a:r>
-              <a:rPr lang="en-US" dirty="0"/>
-              <a:t> PASS GRUP</a:t>
-            </a:r>
-          </a:p>
-          <a:p>
-            <a:pPr lvl="1"/>
-            <a:r>
-              <a:rPr lang="en-US" dirty="0"/>
-              <a:t>Parameter:</a:t>
-            </a:r>
-          </a:p>
-          <a:p>
-            <a:pPr lvl="2"/>
-            <a:r>
-              <a:rPr lang="en-US" dirty="0"/>
-              <a:t>NAMA_GRUP, PASS_GRUP</a:t>
-            </a:r>
-          </a:p>
-          <a:p>
-            <a:pPr lvl="1"/>
-            <a:r>
-              <a:rPr lang="en-US" dirty="0"/>
-              <a:t>Return&gt;</a:t>
-            </a:r>
-          </a:p>
-          <a:p>
-            <a:pPr lvl="2"/>
-            <a:r>
-              <a:rPr lang="en-US" dirty="0" err="1"/>
-              <a:t>Sukses</a:t>
-            </a:r>
-            <a:endParaRPr lang="en-US" dirty="0"/>
-          </a:p>
-          <a:p>
-            <a:pPr lvl="2"/>
-            <a:r>
-              <a:rPr lang="en-US" dirty="0" err="1"/>
-              <a:t>Gagal</a:t>
-            </a:r>
-            <a:r>
-              <a:rPr lang="en-US" dirty="0"/>
-              <a:t> &gt; </a:t>
-            </a:r>
-            <a:r>
-              <a:rPr lang="en-US" dirty="0" err="1"/>
-              <a:t>karena</a:t>
-            </a:r>
-            <a:r>
-              <a:rPr lang="en-US" dirty="0"/>
-              <a:t> NAMA_GRUP </a:t>
-            </a:r>
-            <a:r>
-              <a:rPr lang="en-US" dirty="0" err="1"/>
-              <a:t>tidak</a:t>
-            </a:r>
-            <a:r>
-              <a:rPr lang="en-US" dirty="0"/>
-              <a:t> </a:t>
-            </a:r>
-            <a:r>
-              <a:rPr lang="en-US" dirty="0" err="1"/>
-              <a:t>tersedia</a:t>
-            </a:r>
-            <a:r>
-              <a:rPr lang="en-US" dirty="0"/>
-              <a:t>, USER_NAME </a:t>
-            </a:r>
-            <a:r>
-              <a:rPr lang="en-US" dirty="0" err="1"/>
-              <a:t>belum</a:t>
-            </a:r>
-            <a:r>
-              <a:rPr lang="en-US" dirty="0"/>
-              <a:t> </a:t>
-            </a:r>
-            <a:r>
-              <a:rPr lang="en-US" dirty="0" err="1"/>
-              <a:t>terautentikasi</a:t>
-            </a:r>
-            <a:r>
-              <a:rPr lang="en-US" dirty="0"/>
-              <a:t>, PASS_GRUP </a:t>
-            </a:r>
-            <a:r>
-              <a:rPr lang="en-US" dirty="0" err="1"/>
-              <a:t>salah</a:t>
-            </a:r>
-            <a:endParaRPr lang="en-US" dirty="0"/>
+            <a:endParaRPr lang="en-US" dirty="0">
+              <a:latin typeface="Trebuchet MS" panose="020B0603020202020204" pitchFamily="34" charset="0"/>
+            </a:endParaRPr>
           </a:p>
         </p:txBody>
       </p:sp>
     </p:spTree>
     <p:extLst>
       <p:ext uri="{BB962C8B-B14F-4D97-AF65-F5344CB8AC3E}">
-        <p14:creationId xmlns:p14="http://schemas.microsoft.com/office/powerpoint/2010/main" val="3417689360"/>
+        <p14:creationId xmlns:p14="http://schemas.microsoft.com/office/powerpoint/2010/main" val="3798629105"/>
       </p:ext>
     </p:extLst>
   </p:cSld>
   <p:clrMapOvr>
     <a:masterClrMapping/>
   </p:clrMapOvr>
+  <p:timing>
+    <p:tnLst>
+      <p:par>
+        <p:cTn id="1" dur="indefinite" restart="never" nodeType="tmRoot"/>
+      </p:par>
+    </p:tnLst>
+  </p:timing>
 </p:sld>
 </file>
 
@@ -3851,7 +3915,9 @@
           <a:lstStyle/>
           <a:p>
             <a:r>
-              <a:rPr lang="en-US" dirty="0"/>
+              <a:rPr lang="en-US" dirty="0">
+                <a:latin typeface="Trebuchet MS" panose="020B0603020202020204" pitchFamily="34" charset="0"/>
+              </a:rPr>
               <a:t>GRUP</a:t>
             </a:r>
           </a:p>
@@ -3867,271 +3933,204 @@
             <p:ph idx="1"/>
           </p:nvPr>
         </p:nvSpPr>
-        <p:spPr>
-          <a:xfrm>
-            <a:off x="838200" y="1530350"/>
-            <a:ext cx="10515600" cy="4351338"/>
-          </a:xfrm>
-        </p:spPr>
+        <p:spPr/>
         <p:txBody>
           <a:bodyPr>
-            <a:normAutofit fontScale="85000" lnSpcReduction="20000"/>
+            <a:noAutofit/>
           </a:bodyPr>
           <a:lstStyle/>
           <a:p>
             <a:r>
-              <a:rPr lang="en-US" dirty="0" err="1"/>
-              <a:t>Tampil</a:t>
-            </a:r>
-            <a:r>
-              <a:rPr lang="en-US" dirty="0"/>
+              <a:rPr lang="en-US" dirty="0" smtClean="0">
+                <a:latin typeface="Trebuchet MS" panose="020B0603020202020204" pitchFamily="34" charset="0"/>
+              </a:rPr>
+              <a:t>BUAT GRUP</a:t>
+            </a:r>
+            <a:endParaRPr lang="en-US" dirty="0">
+              <a:latin typeface="Trebuchet MS" panose="020B0603020202020204" pitchFamily="34" charset="0"/>
+            </a:endParaRPr>
+          </a:p>
+          <a:p>
+            <a:pPr lvl="1"/>
+            <a:r>
+              <a:rPr lang="en-US" dirty="0">
+                <a:latin typeface="Trebuchet MS" panose="020B0603020202020204" pitchFamily="34" charset="0"/>
+              </a:rPr>
+              <a:t>Format message:</a:t>
+            </a:r>
+          </a:p>
+          <a:p>
+            <a:pPr lvl="2"/>
+            <a:r>
+              <a:rPr lang="en-US" sz="2400" dirty="0">
+                <a:latin typeface="Trebuchet MS" panose="020B0603020202020204" pitchFamily="34" charset="0"/>
+              </a:rPr>
+              <a:t>BGRUP </a:t>
+            </a:r>
+            <a:r>
+              <a:rPr lang="en-US" sz="2400" dirty="0" err="1">
+                <a:latin typeface="Trebuchet MS" panose="020B0603020202020204" pitchFamily="34" charset="0"/>
+              </a:rPr>
+              <a:t>spasi</a:t>
+            </a:r>
+            <a:r>
+              <a:rPr lang="en-US" sz="2400" dirty="0">
+                <a:latin typeface="Trebuchet MS" panose="020B0603020202020204" pitchFamily="34" charset="0"/>
+              </a:rPr>
+              <a:t> NAMA_GRUP </a:t>
+            </a:r>
+            <a:r>
+              <a:rPr lang="en-US" sz="2400" dirty="0" err="1">
+                <a:latin typeface="Trebuchet MS" panose="020B0603020202020204" pitchFamily="34" charset="0"/>
+              </a:rPr>
+              <a:t>spasi</a:t>
+            </a:r>
+            <a:r>
+              <a:rPr lang="en-US" sz="2400" dirty="0">
+                <a:latin typeface="Trebuchet MS" panose="020B0603020202020204" pitchFamily="34" charset="0"/>
+              </a:rPr>
+              <a:t> PASS_GRUP</a:t>
+            </a:r>
+          </a:p>
+          <a:p>
+            <a:pPr lvl="1"/>
+            <a:r>
+              <a:rPr lang="en-US" dirty="0">
+                <a:latin typeface="Trebuchet MS" panose="020B0603020202020204" pitchFamily="34" charset="0"/>
+              </a:rPr>
+              <a:t>Parameter:</a:t>
+            </a:r>
+          </a:p>
+          <a:p>
+            <a:pPr lvl="2"/>
+            <a:r>
+              <a:rPr lang="en-US" sz="2400" dirty="0">
+                <a:latin typeface="Trebuchet MS" panose="020B0603020202020204" pitchFamily="34" charset="0"/>
+              </a:rPr>
+              <a:t>NAMA_GRUP</a:t>
+            </a:r>
+          </a:p>
+          <a:p>
+            <a:pPr lvl="2"/>
+            <a:r>
+              <a:rPr lang="en-US" sz="2400" dirty="0">
+                <a:latin typeface="Trebuchet MS" panose="020B0603020202020204" pitchFamily="34" charset="0"/>
+              </a:rPr>
+              <a:t>PASS GRUP</a:t>
+            </a:r>
+          </a:p>
+          <a:p>
+            <a:pPr lvl="1"/>
+            <a:r>
+              <a:rPr lang="en-US" dirty="0">
+                <a:latin typeface="Trebuchet MS" panose="020B0603020202020204" pitchFamily="34" charset="0"/>
+              </a:rPr>
+              <a:t>Return&gt;</a:t>
+            </a:r>
+          </a:p>
+          <a:p>
+            <a:pPr lvl="2"/>
+            <a:r>
+              <a:rPr lang="en-US" sz="2400" dirty="0" err="1">
+                <a:latin typeface="Trebuchet MS" panose="020B0603020202020204" pitchFamily="34" charset="0"/>
+              </a:rPr>
+              <a:t>Sukses</a:t>
+            </a:r>
+            <a:endParaRPr lang="en-US" sz="2400" dirty="0">
+              <a:latin typeface="Trebuchet MS" panose="020B0603020202020204" pitchFamily="34" charset="0"/>
+            </a:endParaRPr>
+          </a:p>
+          <a:p>
+            <a:pPr lvl="2"/>
+            <a:r>
+              <a:rPr lang="en-US" sz="2400" dirty="0" err="1">
+                <a:latin typeface="Trebuchet MS" panose="020B0603020202020204" pitchFamily="34" charset="0"/>
+              </a:rPr>
+              <a:t>Gagal</a:t>
+            </a:r>
+            <a:r>
+              <a:rPr lang="en-US" sz="2400" dirty="0">
+                <a:latin typeface="Trebuchet MS" panose="020B0603020202020204" pitchFamily="34" charset="0"/>
+              </a:rPr>
+              <a:t> &gt; </a:t>
+            </a:r>
+            <a:r>
+              <a:rPr lang="en-US" sz="2400" dirty="0" err="1">
+                <a:latin typeface="Trebuchet MS" panose="020B0603020202020204" pitchFamily="34" charset="0"/>
+              </a:rPr>
+              <a:t>karena</a:t>
+            </a:r>
+            <a:r>
+              <a:rPr lang="en-US" sz="2400" dirty="0">
+                <a:latin typeface="Trebuchet MS" panose="020B0603020202020204" pitchFamily="34" charset="0"/>
+              </a:rPr>
+              <a:t> NAMA_GRUP </a:t>
+            </a:r>
+            <a:r>
+              <a:rPr lang="en-US" sz="2400" dirty="0" err="1">
+                <a:latin typeface="Trebuchet MS" panose="020B0603020202020204" pitchFamily="34" charset="0"/>
+              </a:rPr>
+              <a:t>sudah</a:t>
+            </a:r>
+            <a:r>
+              <a:rPr lang="en-US" sz="2400" dirty="0">
+                <a:latin typeface="Trebuchet MS" panose="020B0603020202020204" pitchFamily="34" charset="0"/>
+              </a:rPr>
               <a:t> </a:t>
             </a:r>
             <a:r>
-              <a:rPr lang="en-US" dirty="0" err="1"/>
-              <a:t>Grup</a:t>
-            </a:r>
-            <a:endParaRPr lang="en-US" dirty="0"/>
-          </a:p>
-          <a:p>
-            <a:pPr lvl="1"/>
-            <a:r>
-              <a:rPr lang="en-US" dirty="0"/>
-              <a:t>Format message:</a:t>
-            </a:r>
-          </a:p>
-          <a:p>
-            <a:pPr lvl="2"/>
-            <a:r>
-              <a:rPr lang="en-US" dirty="0"/>
-              <a:t>TGRUP</a:t>
-            </a:r>
-          </a:p>
-          <a:p>
-            <a:pPr lvl="1"/>
-            <a:r>
-              <a:rPr lang="en-US" dirty="0"/>
-              <a:t>Parameter:</a:t>
-            </a:r>
-          </a:p>
-          <a:p>
-            <a:pPr lvl="2"/>
-            <a:r>
-              <a:rPr lang="en-US" dirty="0"/>
-              <a:t>-</a:t>
-            </a:r>
-          </a:p>
-          <a:p>
-            <a:pPr lvl="1"/>
-            <a:r>
-              <a:rPr lang="en-US" dirty="0"/>
-              <a:t>Return&gt;</a:t>
-            </a:r>
-          </a:p>
-          <a:p>
-            <a:pPr lvl="2"/>
-            <a:r>
-              <a:rPr lang="en-US" dirty="0" err="1"/>
-              <a:t>Sukses</a:t>
-            </a:r>
-            <a:r>
-              <a:rPr lang="en-US" dirty="0"/>
-              <a:t> &gt; </a:t>
-            </a:r>
-            <a:r>
-              <a:rPr lang="en-US" dirty="0" err="1"/>
-              <a:t>daftar</a:t>
-            </a:r>
-            <a:r>
-              <a:rPr lang="en-US" dirty="0"/>
+              <a:rPr lang="en-US" sz="2400" dirty="0" err="1">
+                <a:latin typeface="Trebuchet MS" panose="020B0603020202020204" pitchFamily="34" charset="0"/>
+              </a:rPr>
+              <a:t>dipakai</a:t>
+            </a:r>
+            <a:r>
+              <a:rPr lang="en-US" sz="2400" dirty="0">
+                <a:latin typeface="Trebuchet MS" panose="020B0603020202020204" pitchFamily="34" charset="0"/>
+              </a:rPr>
+              <a:t>, USER_NAME </a:t>
+            </a:r>
+            <a:r>
+              <a:rPr lang="en-US" sz="2400" dirty="0" err="1">
+                <a:latin typeface="Trebuchet MS" panose="020B0603020202020204" pitchFamily="34" charset="0"/>
+              </a:rPr>
+              <a:t>belum</a:t>
+            </a:r>
+            <a:r>
+              <a:rPr lang="en-US" sz="2400" dirty="0">
+                <a:latin typeface="Trebuchet MS" panose="020B0603020202020204" pitchFamily="34" charset="0"/>
+              </a:rPr>
               <a:t> </a:t>
             </a:r>
             <a:r>
-              <a:rPr lang="en-US" dirty="0" err="1"/>
-              <a:t>grup</a:t>
-            </a:r>
-            <a:r>
-              <a:rPr lang="en-US" dirty="0"/>
-              <a:t> </a:t>
-            </a:r>
-            <a:r>
-              <a:rPr lang="en-US" dirty="0" err="1"/>
-              <a:t>ditampilkan</a:t>
-            </a:r>
-            <a:endParaRPr lang="en-US" dirty="0"/>
-          </a:p>
-          <a:p>
-            <a:pPr lvl="2"/>
-            <a:r>
-              <a:rPr lang="en-US" dirty="0" err="1"/>
-              <a:t>Gagal</a:t>
-            </a:r>
-            <a:r>
-              <a:rPr lang="en-US" dirty="0"/>
-              <a:t> &gt; USER_NAME </a:t>
-            </a:r>
-            <a:r>
-              <a:rPr lang="en-US" dirty="0" err="1"/>
-              <a:t>belum</a:t>
-            </a:r>
-            <a:r>
-              <a:rPr lang="en-US" dirty="0"/>
-              <a:t> </a:t>
-            </a:r>
-            <a:r>
-              <a:rPr lang="en-US" dirty="0" err="1"/>
+              <a:rPr lang="en-US" sz="2400" dirty="0" err="1" smtClean="0">
+                <a:latin typeface="Trebuchet MS" panose="020B0603020202020204" pitchFamily="34" charset="0"/>
+              </a:rPr>
               <a:t>terautentikasi</a:t>
             </a:r>
-            <a:endParaRPr lang="en-US" dirty="0"/>
-          </a:p>
-          <a:p>
-            <a:r>
-              <a:rPr lang="en-US" dirty="0" err="1"/>
-              <a:t>Keluar</a:t>
-            </a:r>
-            <a:r>
-              <a:rPr lang="en-US" dirty="0"/>
-              <a:t> </a:t>
-            </a:r>
-            <a:r>
-              <a:rPr lang="en-US" dirty="0" err="1"/>
-              <a:t>grup</a:t>
-            </a:r>
-            <a:endParaRPr lang="en-US" dirty="0"/>
-          </a:p>
-          <a:p>
-            <a:pPr lvl="1"/>
-            <a:r>
-              <a:rPr lang="en-US" dirty="0"/>
-              <a:t>Format message:</a:t>
-            </a:r>
-          </a:p>
-          <a:p>
-            <a:pPr lvl="2"/>
-            <a:r>
-              <a:rPr lang="en-US" dirty="0"/>
-              <a:t>KGRUP </a:t>
-            </a:r>
-            <a:r>
-              <a:rPr lang="en-US" dirty="0" err="1"/>
-              <a:t>spasi</a:t>
-            </a:r>
-            <a:r>
-              <a:rPr lang="en-US" dirty="0"/>
-              <a:t> NAMA_GRUP</a:t>
-            </a:r>
-          </a:p>
-          <a:p>
-            <a:pPr lvl="1"/>
-            <a:r>
-              <a:rPr lang="en-US" dirty="0"/>
-              <a:t>Parameter:</a:t>
-            </a:r>
-          </a:p>
-          <a:p>
-            <a:pPr lvl="2"/>
-            <a:r>
-              <a:rPr lang="en-US" dirty="0"/>
-              <a:t>NAMA_GRUP</a:t>
-            </a:r>
-          </a:p>
-          <a:p>
-            <a:pPr lvl="1"/>
-            <a:r>
-              <a:rPr lang="en-US" dirty="0"/>
-              <a:t>Return&gt;</a:t>
-            </a:r>
-          </a:p>
-          <a:p>
-            <a:pPr lvl="2"/>
-            <a:r>
-              <a:rPr lang="en-US" dirty="0" err="1"/>
-              <a:t>Sukses</a:t>
-            </a:r>
-            <a:r>
-              <a:rPr lang="en-US" dirty="0"/>
-              <a:t> &gt; </a:t>
-            </a:r>
-            <a:r>
-              <a:rPr lang="en-US" dirty="0" err="1"/>
-              <a:t>daftar</a:t>
-            </a:r>
-            <a:r>
-              <a:rPr lang="en-US" dirty="0"/>
-              <a:t> </a:t>
-            </a:r>
-            <a:r>
-              <a:rPr lang="en-US" dirty="0" err="1"/>
-              <a:t>grup</a:t>
-            </a:r>
-            <a:r>
-              <a:rPr lang="en-US" dirty="0"/>
-              <a:t> </a:t>
-            </a:r>
-            <a:r>
-              <a:rPr lang="en-US" dirty="0" err="1"/>
-              <a:t>ditampilkan</a:t>
-            </a:r>
-            <a:endParaRPr lang="en-US" dirty="0"/>
-          </a:p>
-          <a:p>
-            <a:pPr lvl="2"/>
-            <a:r>
-              <a:rPr lang="en-US" dirty="0" err="1"/>
-              <a:t>Gagal</a:t>
-            </a:r>
-            <a:r>
-              <a:rPr lang="en-US" dirty="0"/>
-              <a:t> &gt; USER_NAME </a:t>
-            </a:r>
-            <a:r>
-              <a:rPr lang="en-US" dirty="0" err="1"/>
-              <a:t>belum</a:t>
-            </a:r>
-            <a:r>
-              <a:rPr lang="en-US" dirty="0"/>
-              <a:t> </a:t>
-            </a:r>
-            <a:r>
-              <a:rPr lang="en-US" dirty="0" err="1"/>
-              <a:t>terautentikasi</a:t>
-            </a:r>
-            <a:r>
-              <a:rPr lang="en-US" dirty="0"/>
-              <a:t>, NAMA_GRUP </a:t>
-            </a:r>
-            <a:r>
-              <a:rPr lang="en-US" dirty="0" err="1"/>
-              <a:t>tidak</a:t>
-            </a:r>
-            <a:r>
-              <a:rPr lang="en-US" dirty="0"/>
-              <a:t> </a:t>
-            </a:r>
-            <a:r>
-              <a:rPr lang="en-US" dirty="0" err="1"/>
-              <a:t>tersedia</a:t>
-            </a:r>
-            <a:endParaRPr lang="en-US" dirty="0"/>
-          </a:p>
-          <a:p>
-            <a:endParaRPr lang="en-US" dirty="0"/>
-          </a:p>
-          <a:p>
-            <a:endParaRPr lang="en-US" dirty="0"/>
+            <a:endParaRPr lang="en-US" sz="2400" dirty="0">
+              <a:latin typeface="Trebuchet MS" panose="020B0603020202020204" pitchFamily="34" charset="0"/>
+            </a:endParaRPr>
           </a:p>
         </p:txBody>
       </p:sp>
     </p:spTree>
     <p:extLst>
       <p:ext uri="{BB962C8B-B14F-4D97-AF65-F5344CB8AC3E}">
-        <p14:creationId xmlns:p14="http://schemas.microsoft.com/office/powerpoint/2010/main" val="3330634365"/>
+        <p14:creationId xmlns:p14="http://schemas.microsoft.com/office/powerpoint/2010/main" val="3417689360"/>
       </p:ext>
     </p:extLst>
   </p:cSld>
   <p:clrMapOvr>
     <a:masterClrMapping/>
   </p:clrMapOvr>
+  <p:timing>
+    <p:tnLst>
+      <p:par>
+        <p:cTn id="1" dur="indefinite" restart="never" nodeType="tmRoot"/>
+      </p:par>
+    </p:tnLst>
+  </p:timing>
 </p:sld>
 </file>
 
@@ -4154,205 +4153,221 @@
       </p:grpSpPr>
       <p:sp>
         <p:nvSpPr>
-          <p:cNvPr id="2" name="Title 1"/>
-          <p:cNvSpPr>
-            <a:spLocks noGrp="1"/>
-          </p:cNvSpPr>
-          <p:nvPr>
-            <p:ph type="title"/>
+          <p:cNvPr id="3" name="Content Placeholder 2"/>
+          <p:cNvSpPr>
+            <a:spLocks noGrp="1"/>
+          </p:cNvSpPr>
+          <p:nvPr>
+            <p:ph idx="1"/>
           </p:nvPr>
         </p:nvSpPr>
         <p:spPr/>
         <p:txBody>
-          <a:bodyPr/>
-          <a:lstStyle/>
-          <a:p>
-            <a:r>
-              <a:rPr lang="en-US" dirty="0"/>
-              <a:t>GRUP</a:t>
-            </a:r>
-          </a:p>
-        </p:txBody>
-      </p:sp>
-      <p:sp>
-        <p:nvSpPr>
-          <p:cNvPr id="3" name="Content Placeholder 2"/>
-          <p:cNvSpPr>
-            <a:spLocks noGrp="1"/>
-          </p:cNvSpPr>
-          <p:nvPr>
-            <p:ph idx="1"/>
-          </p:nvPr>
-        </p:nvSpPr>
-        <p:spPr/>
-        <p:txBody>
-          <a:bodyPr/>
-          <a:lstStyle/>
-          <a:p>
-            <a:r>
-              <a:rPr lang="en-US" dirty="0" err="1"/>
-              <a:t>Hapus</a:t>
-            </a:r>
-            <a:r>
-              <a:rPr lang="en-US" dirty="0"/>
+          <a:bodyPr>
+            <a:normAutofit/>
+          </a:bodyPr>
+          <a:lstStyle/>
+          <a:p>
+            <a:r>
+              <a:rPr lang="en-US" dirty="0" smtClean="0">
+                <a:latin typeface="Trebuchet MS" panose="020B0603020202020204" pitchFamily="34" charset="0"/>
+              </a:rPr>
+              <a:t>GABUNG GRUP</a:t>
+            </a:r>
+            <a:endParaRPr lang="en-US" dirty="0">
+              <a:latin typeface="Trebuchet MS" panose="020B0603020202020204" pitchFamily="34" charset="0"/>
+            </a:endParaRPr>
+          </a:p>
+          <a:p>
+            <a:pPr lvl="1"/>
+            <a:r>
+              <a:rPr lang="en-US" sz="2800" dirty="0">
+                <a:latin typeface="Trebuchet MS" panose="020B0603020202020204" pitchFamily="34" charset="0"/>
+              </a:rPr>
+              <a:t>Format message:</a:t>
+            </a:r>
+          </a:p>
+          <a:p>
+            <a:pPr lvl="2"/>
+            <a:r>
+              <a:rPr lang="en-US" sz="2800" dirty="0">
+                <a:latin typeface="Trebuchet MS" panose="020B0603020202020204" pitchFamily="34" charset="0"/>
+              </a:rPr>
+              <a:t>GGRUP </a:t>
+            </a:r>
+            <a:r>
+              <a:rPr lang="en-US" sz="2800" dirty="0" err="1">
+                <a:latin typeface="Trebuchet MS" panose="020B0603020202020204" pitchFamily="34" charset="0"/>
+              </a:rPr>
+              <a:t>spasi</a:t>
+            </a:r>
+            <a:r>
+              <a:rPr lang="en-US" sz="2800" dirty="0">
+                <a:latin typeface="Trebuchet MS" panose="020B0603020202020204" pitchFamily="34" charset="0"/>
+              </a:rPr>
+              <a:t> NAMA_GRUP </a:t>
+            </a:r>
+            <a:r>
+              <a:rPr lang="en-US" sz="2800" dirty="0" err="1">
+                <a:latin typeface="Trebuchet MS" panose="020B0603020202020204" pitchFamily="34" charset="0"/>
+              </a:rPr>
+              <a:t>spasi</a:t>
+            </a:r>
+            <a:r>
+              <a:rPr lang="en-US" sz="2800" dirty="0">
+                <a:latin typeface="Trebuchet MS" panose="020B0603020202020204" pitchFamily="34" charset="0"/>
+              </a:rPr>
+              <a:t> PASS GRUP</a:t>
+            </a:r>
+          </a:p>
+          <a:p>
+            <a:pPr lvl="1"/>
+            <a:r>
+              <a:rPr lang="en-US" sz="2800" dirty="0">
+                <a:latin typeface="Trebuchet MS" panose="020B0603020202020204" pitchFamily="34" charset="0"/>
+              </a:rPr>
+              <a:t>Parameter:</a:t>
+            </a:r>
+          </a:p>
+          <a:p>
+            <a:pPr lvl="2"/>
+            <a:r>
+              <a:rPr lang="en-US" sz="2800" dirty="0">
+                <a:latin typeface="Trebuchet MS" panose="020B0603020202020204" pitchFamily="34" charset="0"/>
+              </a:rPr>
+              <a:t>NAMA_GRUP, PASS_GRUP</a:t>
+            </a:r>
+          </a:p>
+          <a:p>
+            <a:pPr lvl="1"/>
+            <a:r>
+              <a:rPr lang="en-US" sz="2800" dirty="0">
+                <a:latin typeface="Trebuchet MS" panose="020B0603020202020204" pitchFamily="34" charset="0"/>
+              </a:rPr>
+              <a:t>Return&gt;</a:t>
+            </a:r>
+          </a:p>
+          <a:p>
+            <a:pPr lvl="2"/>
+            <a:r>
+              <a:rPr lang="en-US" sz="2800" dirty="0" err="1">
+                <a:latin typeface="Trebuchet MS" panose="020B0603020202020204" pitchFamily="34" charset="0"/>
+              </a:rPr>
+              <a:t>Sukses</a:t>
+            </a:r>
+            <a:endParaRPr lang="en-US" sz="2800" dirty="0">
+              <a:latin typeface="Trebuchet MS" panose="020B0603020202020204" pitchFamily="34" charset="0"/>
+            </a:endParaRPr>
+          </a:p>
+          <a:p>
+            <a:pPr lvl="2"/>
+            <a:r>
+              <a:rPr lang="en-US" sz="2800" dirty="0" err="1">
+                <a:latin typeface="Trebuchet MS" panose="020B0603020202020204" pitchFamily="34" charset="0"/>
+              </a:rPr>
+              <a:t>Gagal</a:t>
+            </a:r>
+            <a:r>
+              <a:rPr lang="en-US" sz="2800" dirty="0">
+                <a:latin typeface="Trebuchet MS" panose="020B0603020202020204" pitchFamily="34" charset="0"/>
+              </a:rPr>
+              <a:t> &gt; </a:t>
+            </a:r>
+            <a:r>
+              <a:rPr lang="en-US" sz="2800" dirty="0" err="1">
+                <a:latin typeface="Trebuchet MS" panose="020B0603020202020204" pitchFamily="34" charset="0"/>
+              </a:rPr>
+              <a:t>karena</a:t>
+            </a:r>
+            <a:r>
+              <a:rPr lang="en-US" sz="2800" dirty="0">
+                <a:latin typeface="Trebuchet MS" panose="020B0603020202020204" pitchFamily="34" charset="0"/>
+              </a:rPr>
+              <a:t> NAMA_GRUP </a:t>
+            </a:r>
+            <a:r>
+              <a:rPr lang="en-US" sz="2800" dirty="0" err="1">
+                <a:latin typeface="Trebuchet MS" panose="020B0603020202020204" pitchFamily="34" charset="0"/>
+              </a:rPr>
+              <a:t>tidak</a:t>
+            </a:r>
+            <a:r>
+              <a:rPr lang="en-US" sz="2800" dirty="0">
+                <a:latin typeface="Trebuchet MS" panose="020B0603020202020204" pitchFamily="34" charset="0"/>
+              </a:rPr>
               <a:t> </a:t>
             </a:r>
             <a:r>
-              <a:rPr lang="en-US" dirty="0" err="1"/>
-              <a:t>Grup</a:t>
-            </a:r>
-            <a:endParaRPr lang="en-US" dirty="0"/>
-          </a:p>
-          <a:p>
-            <a:pPr lvl="1"/>
-            <a:r>
-              <a:rPr lang="en-US" dirty="0"/>
-              <a:t>Format message:</a:t>
-            </a:r>
-          </a:p>
-          <a:p>
-            <a:pPr lvl="2"/>
-            <a:r>
-              <a:rPr lang="en-US" dirty="0"/>
-              <a:t>KGRUP </a:t>
-            </a:r>
-            <a:r>
-              <a:rPr lang="en-US" dirty="0" err="1"/>
-              <a:t>spasi</a:t>
-            </a:r>
-            <a:r>
-              <a:rPr lang="en-US" dirty="0"/>
-              <a:t> NAMA_GRUP </a:t>
-            </a:r>
-            <a:r>
-              <a:rPr lang="en-US" dirty="0" err="1"/>
-              <a:t>spasi</a:t>
-            </a:r>
-            <a:r>
-              <a:rPr lang="en-US" dirty="0"/>
-              <a:t> PASS_GRUP</a:t>
-            </a:r>
-          </a:p>
-          <a:p>
-            <a:pPr lvl="1"/>
-            <a:r>
-              <a:rPr lang="en-US" dirty="0"/>
-              <a:t>Parameter:</a:t>
-            </a:r>
-          </a:p>
-          <a:p>
-            <a:pPr lvl="2"/>
-            <a:r>
-              <a:rPr lang="en-US" dirty="0"/>
-              <a:t>NAMA_GRUP</a:t>
-            </a:r>
-          </a:p>
-          <a:p>
-            <a:pPr lvl="2"/>
-            <a:r>
-              <a:rPr lang="en-US" dirty="0"/>
-              <a:t>PASS_GRUP</a:t>
-            </a:r>
-          </a:p>
-          <a:p>
-            <a:pPr lvl="1"/>
-            <a:r>
-              <a:rPr lang="en-US" dirty="0"/>
-              <a:t>Return&gt;</a:t>
-            </a:r>
-          </a:p>
-          <a:p>
-            <a:pPr lvl="2"/>
-            <a:r>
-              <a:rPr lang="en-US" dirty="0" err="1"/>
-              <a:t>Sukses</a:t>
-            </a:r>
-            <a:r>
-              <a:rPr lang="en-US" dirty="0"/>
-              <a:t> &gt; </a:t>
-            </a:r>
-            <a:r>
-              <a:rPr lang="en-US" dirty="0" err="1"/>
-              <a:t>daftar</a:t>
-            </a:r>
-            <a:r>
-              <a:rPr lang="en-US" dirty="0"/>
+              <a:rPr lang="en-US" sz="2800" dirty="0" err="1">
+                <a:latin typeface="Trebuchet MS" panose="020B0603020202020204" pitchFamily="34" charset="0"/>
+              </a:rPr>
+              <a:t>tersedia</a:t>
+            </a:r>
+            <a:r>
+              <a:rPr lang="en-US" sz="2800" dirty="0">
+                <a:latin typeface="Trebuchet MS" panose="020B0603020202020204" pitchFamily="34" charset="0"/>
+              </a:rPr>
+              <a:t>, USER_NAME </a:t>
+            </a:r>
+            <a:r>
+              <a:rPr lang="en-US" sz="2800" dirty="0" err="1">
+                <a:latin typeface="Trebuchet MS" panose="020B0603020202020204" pitchFamily="34" charset="0"/>
+              </a:rPr>
+              <a:t>belum</a:t>
+            </a:r>
+            <a:r>
+              <a:rPr lang="en-US" sz="2800" dirty="0">
+                <a:latin typeface="Trebuchet MS" panose="020B0603020202020204" pitchFamily="34" charset="0"/>
+              </a:rPr>
               <a:t> </a:t>
             </a:r>
             <a:r>
-              <a:rPr lang="en-US" dirty="0" err="1"/>
-              <a:t>grup</a:t>
-            </a:r>
-            <a:r>
-              <a:rPr lang="en-US" dirty="0"/>
-              <a:t> </a:t>
-            </a:r>
-            <a:r>
-              <a:rPr lang="en-US" dirty="0" err="1"/>
-              <a:t>ditampilkan</a:t>
-            </a:r>
-            <a:endParaRPr lang="en-US" dirty="0"/>
-          </a:p>
-          <a:p>
-            <a:pPr lvl="2"/>
-            <a:r>
-              <a:rPr lang="en-US" dirty="0" err="1"/>
-              <a:t>Gagal</a:t>
-            </a:r>
-            <a:r>
-              <a:rPr lang="en-US" dirty="0"/>
-              <a:t> &gt; USER_NAME </a:t>
-            </a:r>
-            <a:r>
-              <a:rPr lang="en-US" dirty="0" err="1"/>
-              <a:t>belum</a:t>
-            </a:r>
-            <a:r>
-              <a:rPr lang="en-US" dirty="0"/>
-              <a:t> </a:t>
-            </a:r>
-            <a:r>
-              <a:rPr lang="en-US" dirty="0" err="1"/>
+              <a:rPr lang="en-US" sz="2800" dirty="0" err="1">
+                <a:latin typeface="Trebuchet MS" panose="020B0603020202020204" pitchFamily="34" charset="0"/>
+              </a:rPr>
               <a:t>terautentikasi</a:t>
             </a:r>
             <a:r>
-              <a:rPr lang="en-US" dirty="0"/>
-              <a:t>, NAMA_GRUP </a:t>
-            </a:r>
-            <a:r>
-              <a:rPr lang="en-US" dirty="0" err="1"/>
-              <a:t>tidak</a:t>
-            </a:r>
-            <a:r>
-              <a:rPr lang="en-US" dirty="0"/>
-              <a:t> </a:t>
-            </a:r>
-            <a:r>
-              <a:rPr lang="en-US" dirty="0" err="1"/>
-              <a:t>tersedia</a:t>
-            </a:r>
-            <a:r>
-              <a:rPr lang="en-US" dirty="0"/>
+              <a:rPr lang="en-US" sz="2800" dirty="0">
+                <a:latin typeface="Trebuchet MS" panose="020B0603020202020204" pitchFamily="34" charset="0"/>
+              </a:rPr>
               <a:t>, PASS_GRUP </a:t>
             </a:r>
             <a:r>
-              <a:rPr lang="en-US" dirty="0" err="1"/>
+              <a:rPr lang="en-US" sz="2800" dirty="0" err="1">
+                <a:latin typeface="Trebuchet MS" panose="020B0603020202020204" pitchFamily="34" charset="0"/>
+              </a:rPr>
               <a:t>salah</a:t>
             </a:r>
-            <a:endParaRPr lang="en-US" dirty="0"/>
+            <a:endParaRPr lang="en-US" sz="2800" dirty="0">
+              <a:latin typeface="Trebuchet MS" panose="020B0603020202020204" pitchFamily="34" charset="0"/>
+            </a:endParaRPr>
+          </a:p>
+          <a:p>
+            <a:pPr marL="0" indent="0">
+              <a:buNone/>
+            </a:pPr>
+            <a:endParaRPr lang="en-US" sz="4400" dirty="0"/>
           </a:p>
         </p:txBody>
       </p:sp>
     </p:spTree>
     <p:extLst>
       <p:ext uri="{BB962C8B-B14F-4D97-AF65-F5344CB8AC3E}">
-        <p14:creationId xmlns:p14="http://schemas.microsoft.com/office/powerpoint/2010/main" val="3965251133"/>
+        <p14:creationId xmlns:p14="http://schemas.microsoft.com/office/powerpoint/2010/main" val="3763849386"/>
       </p:ext>
     </p:extLst>
   </p:cSld>
   <p:clrMapOvr>
     <a:masterClrMapping/>
   </p:clrMapOvr>
+  <p:timing>
+    <p:tnLst>
+      <p:par>
+        <p:cTn id="1" dur="indefinite" restart="never" nodeType="tmRoot"/>
+      </p:par>
+    </p:tnLst>
+  </p:timing>
 </p:sld>
 </file>
 
@@ -4375,6 +4390,708 @@
       </p:grpSpPr>
       <p:sp>
         <p:nvSpPr>
+          <p:cNvPr id="2" name="Title 1"/>
+          <p:cNvSpPr>
+            <a:spLocks noGrp="1"/>
+          </p:cNvSpPr>
+          <p:nvPr>
+            <p:ph type="title"/>
+          </p:nvPr>
+        </p:nvSpPr>
+        <p:spPr/>
+        <p:txBody>
+          <a:bodyPr/>
+          <a:lstStyle/>
+          <a:p>
+            <a:r>
+              <a:rPr lang="en-US" dirty="0">
+                <a:latin typeface="Trebuchet MS" panose="020B0603020202020204" pitchFamily="34" charset="0"/>
+              </a:rPr>
+              <a:t>GRUP</a:t>
+            </a:r>
+          </a:p>
+        </p:txBody>
+      </p:sp>
+      <p:sp>
+        <p:nvSpPr>
+          <p:cNvPr id="3" name="Content Placeholder 2"/>
+          <p:cNvSpPr>
+            <a:spLocks noGrp="1"/>
+          </p:cNvSpPr>
+          <p:nvPr>
+            <p:ph idx="1"/>
+          </p:nvPr>
+        </p:nvSpPr>
+        <p:spPr>
+          <a:xfrm>
+            <a:off x="838200" y="1530350"/>
+            <a:ext cx="10515600" cy="4351338"/>
+          </a:xfrm>
+        </p:spPr>
+        <p:txBody>
+          <a:bodyPr>
+            <a:noAutofit/>
+          </a:bodyPr>
+          <a:lstStyle/>
+          <a:p>
+            <a:r>
+              <a:rPr lang="en-US" sz="2400" dirty="0" smtClean="0">
+                <a:latin typeface="Trebuchet MS" panose="020B0603020202020204" pitchFamily="34" charset="0"/>
+              </a:rPr>
+              <a:t>TAMPIL GRUP</a:t>
+            </a:r>
+            <a:endParaRPr lang="en-US" sz="2400" dirty="0">
+              <a:latin typeface="Trebuchet MS" panose="020B0603020202020204" pitchFamily="34" charset="0"/>
+            </a:endParaRPr>
+          </a:p>
+          <a:p>
+            <a:pPr lvl="1"/>
+            <a:r>
+              <a:rPr lang="en-US" sz="2000" dirty="0">
+                <a:latin typeface="Trebuchet MS" panose="020B0603020202020204" pitchFamily="34" charset="0"/>
+              </a:rPr>
+              <a:t>Format message:</a:t>
+            </a:r>
+          </a:p>
+          <a:p>
+            <a:pPr lvl="2"/>
+            <a:r>
+              <a:rPr lang="en-US" sz="1600" dirty="0">
+                <a:latin typeface="Trebuchet MS" panose="020B0603020202020204" pitchFamily="34" charset="0"/>
+              </a:rPr>
+              <a:t>TGRUP</a:t>
+            </a:r>
+          </a:p>
+          <a:p>
+            <a:pPr lvl="1"/>
+            <a:r>
+              <a:rPr lang="en-US" sz="2000" dirty="0">
+                <a:latin typeface="Trebuchet MS" panose="020B0603020202020204" pitchFamily="34" charset="0"/>
+              </a:rPr>
+              <a:t>Parameter:</a:t>
+            </a:r>
+          </a:p>
+          <a:p>
+            <a:pPr lvl="2"/>
+            <a:r>
+              <a:rPr lang="en-US" sz="1600" dirty="0">
+                <a:latin typeface="Trebuchet MS" panose="020B0603020202020204" pitchFamily="34" charset="0"/>
+              </a:rPr>
+              <a:t>-</a:t>
+            </a:r>
+          </a:p>
+          <a:p>
+            <a:pPr lvl="1"/>
+            <a:r>
+              <a:rPr lang="en-US" sz="2000" dirty="0">
+                <a:latin typeface="Trebuchet MS" panose="020B0603020202020204" pitchFamily="34" charset="0"/>
+              </a:rPr>
+              <a:t>Return&gt;</a:t>
+            </a:r>
+          </a:p>
+          <a:p>
+            <a:pPr lvl="2"/>
+            <a:r>
+              <a:rPr lang="en-US" sz="1600" dirty="0" err="1">
+                <a:latin typeface="Trebuchet MS" panose="020B0603020202020204" pitchFamily="34" charset="0"/>
+              </a:rPr>
+              <a:t>Sukses</a:t>
+            </a:r>
+            <a:r>
+              <a:rPr lang="en-US" sz="1600" dirty="0">
+                <a:latin typeface="Trebuchet MS" panose="020B0603020202020204" pitchFamily="34" charset="0"/>
+              </a:rPr>
+              <a:t> &gt; </a:t>
+            </a:r>
+            <a:r>
+              <a:rPr lang="en-US" sz="1600" dirty="0" err="1">
+                <a:latin typeface="Trebuchet MS" panose="020B0603020202020204" pitchFamily="34" charset="0"/>
+              </a:rPr>
+              <a:t>daftar</a:t>
+            </a:r>
+            <a:r>
+              <a:rPr lang="en-US" sz="1600" dirty="0">
+                <a:latin typeface="Trebuchet MS" panose="020B0603020202020204" pitchFamily="34" charset="0"/>
+              </a:rPr>
+              <a:t> </a:t>
+            </a:r>
+            <a:r>
+              <a:rPr lang="en-US" sz="1600" dirty="0" err="1">
+                <a:latin typeface="Trebuchet MS" panose="020B0603020202020204" pitchFamily="34" charset="0"/>
+              </a:rPr>
+              <a:t>grup</a:t>
+            </a:r>
+            <a:r>
+              <a:rPr lang="en-US" sz="1600" dirty="0">
+                <a:latin typeface="Trebuchet MS" panose="020B0603020202020204" pitchFamily="34" charset="0"/>
+              </a:rPr>
+              <a:t> </a:t>
+            </a:r>
+            <a:r>
+              <a:rPr lang="en-US" sz="1600" dirty="0" err="1">
+                <a:latin typeface="Trebuchet MS" panose="020B0603020202020204" pitchFamily="34" charset="0"/>
+              </a:rPr>
+              <a:t>ditampilkan</a:t>
+            </a:r>
+            <a:endParaRPr lang="en-US" sz="1600" dirty="0">
+              <a:latin typeface="Trebuchet MS" panose="020B0603020202020204" pitchFamily="34" charset="0"/>
+            </a:endParaRPr>
+          </a:p>
+          <a:p>
+            <a:pPr lvl="2"/>
+            <a:r>
+              <a:rPr lang="en-US" sz="1600" dirty="0" err="1">
+                <a:latin typeface="Trebuchet MS" panose="020B0603020202020204" pitchFamily="34" charset="0"/>
+              </a:rPr>
+              <a:t>Gagal</a:t>
+            </a:r>
+            <a:r>
+              <a:rPr lang="en-US" sz="1600" dirty="0">
+                <a:latin typeface="Trebuchet MS" panose="020B0603020202020204" pitchFamily="34" charset="0"/>
+              </a:rPr>
+              <a:t> &gt; USER_NAME </a:t>
+            </a:r>
+            <a:r>
+              <a:rPr lang="en-US" sz="1600" dirty="0" err="1">
+                <a:latin typeface="Trebuchet MS" panose="020B0603020202020204" pitchFamily="34" charset="0"/>
+              </a:rPr>
+              <a:t>belum</a:t>
+            </a:r>
+            <a:r>
+              <a:rPr lang="en-US" sz="1600" dirty="0">
+                <a:latin typeface="Trebuchet MS" panose="020B0603020202020204" pitchFamily="34" charset="0"/>
+              </a:rPr>
+              <a:t> </a:t>
+            </a:r>
+            <a:r>
+              <a:rPr lang="en-US" sz="1600" dirty="0" err="1">
+                <a:latin typeface="Trebuchet MS" panose="020B0603020202020204" pitchFamily="34" charset="0"/>
+              </a:rPr>
+              <a:t>terautentikasi</a:t>
+            </a:r>
+            <a:endParaRPr lang="en-US" sz="1600" dirty="0">
+              <a:latin typeface="Trebuchet MS" panose="020B0603020202020204" pitchFamily="34" charset="0"/>
+            </a:endParaRPr>
+          </a:p>
+          <a:p>
+            <a:r>
+              <a:rPr lang="en-US" sz="2400" dirty="0" smtClean="0">
+                <a:latin typeface="Trebuchet MS" panose="020B0603020202020204" pitchFamily="34" charset="0"/>
+              </a:rPr>
+              <a:t>KELUAR GRUP</a:t>
+            </a:r>
+            <a:endParaRPr lang="en-US" sz="2400" dirty="0">
+              <a:latin typeface="Trebuchet MS" panose="020B0603020202020204" pitchFamily="34" charset="0"/>
+            </a:endParaRPr>
+          </a:p>
+          <a:p>
+            <a:pPr lvl="1"/>
+            <a:r>
+              <a:rPr lang="en-US" sz="2000" dirty="0">
+                <a:latin typeface="Trebuchet MS" panose="020B0603020202020204" pitchFamily="34" charset="0"/>
+              </a:rPr>
+              <a:t>Format message:</a:t>
+            </a:r>
+          </a:p>
+          <a:p>
+            <a:pPr lvl="2"/>
+            <a:r>
+              <a:rPr lang="en-US" sz="1600" dirty="0">
+                <a:latin typeface="Trebuchet MS" panose="020B0603020202020204" pitchFamily="34" charset="0"/>
+              </a:rPr>
+              <a:t>KGRUP </a:t>
+            </a:r>
+            <a:r>
+              <a:rPr lang="en-US" sz="1600" dirty="0" err="1">
+                <a:latin typeface="Trebuchet MS" panose="020B0603020202020204" pitchFamily="34" charset="0"/>
+              </a:rPr>
+              <a:t>spasi</a:t>
+            </a:r>
+            <a:r>
+              <a:rPr lang="en-US" sz="1600" dirty="0">
+                <a:latin typeface="Trebuchet MS" panose="020B0603020202020204" pitchFamily="34" charset="0"/>
+              </a:rPr>
+              <a:t> NAMA_GRUP</a:t>
+            </a:r>
+          </a:p>
+          <a:p>
+            <a:pPr lvl="1"/>
+            <a:r>
+              <a:rPr lang="en-US" sz="2000" dirty="0">
+                <a:latin typeface="Trebuchet MS" panose="020B0603020202020204" pitchFamily="34" charset="0"/>
+              </a:rPr>
+              <a:t>Parameter:</a:t>
+            </a:r>
+          </a:p>
+          <a:p>
+            <a:pPr lvl="2"/>
+            <a:r>
+              <a:rPr lang="en-US" sz="1600" dirty="0">
+                <a:latin typeface="Trebuchet MS" panose="020B0603020202020204" pitchFamily="34" charset="0"/>
+              </a:rPr>
+              <a:t>NAMA_GRUP</a:t>
+            </a:r>
+          </a:p>
+          <a:p>
+            <a:pPr lvl="1"/>
+            <a:r>
+              <a:rPr lang="en-US" sz="2000" dirty="0">
+                <a:latin typeface="Trebuchet MS" panose="020B0603020202020204" pitchFamily="34" charset="0"/>
+              </a:rPr>
+              <a:t>Return&gt;</a:t>
+            </a:r>
+          </a:p>
+          <a:p>
+            <a:pPr lvl="2"/>
+            <a:r>
+              <a:rPr lang="en-US" sz="1600" dirty="0" err="1">
+                <a:latin typeface="Trebuchet MS" panose="020B0603020202020204" pitchFamily="34" charset="0"/>
+              </a:rPr>
+              <a:t>Sukses</a:t>
+            </a:r>
+            <a:r>
+              <a:rPr lang="en-US" sz="1600" dirty="0">
+                <a:latin typeface="Trebuchet MS" panose="020B0603020202020204" pitchFamily="34" charset="0"/>
+              </a:rPr>
+              <a:t> &gt; </a:t>
+            </a:r>
+            <a:r>
+              <a:rPr lang="en-US" sz="1600" dirty="0" err="1">
+                <a:latin typeface="Trebuchet MS" panose="020B0603020202020204" pitchFamily="34" charset="0"/>
+              </a:rPr>
+              <a:t>daftar</a:t>
+            </a:r>
+            <a:r>
+              <a:rPr lang="en-US" sz="1600" dirty="0">
+                <a:latin typeface="Trebuchet MS" panose="020B0603020202020204" pitchFamily="34" charset="0"/>
+              </a:rPr>
+              <a:t> </a:t>
+            </a:r>
+            <a:r>
+              <a:rPr lang="en-US" sz="1600" dirty="0" err="1">
+                <a:latin typeface="Trebuchet MS" panose="020B0603020202020204" pitchFamily="34" charset="0"/>
+              </a:rPr>
+              <a:t>grup</a:t>
+            </a:r>
+            <a:r>
+              <a:rPr lang="en-US" sz="1600" dirty="0">
+                <a:latin typeface="Trebuchet MS" panose="020B0603020202020204" pitchFamily="34" charset="0"/>
+              </a:rPr>
+              <a:t> </a:t>
+            </a:r>
+            <a:r>
+              <a:rPr lang="en-US" sz="1600" dirty="0" err="1">
+                <a:latin typeface="Trebuchet MS" panose="020B0603020202020204" pitchFamily="34" charset="0"/>
+              </a:rPr>
+              <a:t>ditampilkan</a:t>
+            </a:r>
+            <a:endParaRPr lang="en-US" sz="1600" dirty="0">
+              <a:latin typeface="Trebuchet MS" panose="020B0603020202020204" pitchFamily="34" charset="0"/>
+            </a:endParaRPr>
+          </a:p>
+          <a:p>
+            <a:pPr lvl="2"/>
+            <a:r>
+              <a:rPr lang="en-US" sz="1600" dirty="0" err="1">
+                <a:latin typeface="Trebuchet MS" panose="020B0603020202020204" pitchFamily="34" charset="0"/>
+              </a:rPr>
+              <a:t>Gagal</a:t>
+            </a:r>
+            <a:r>
+              <a:rPr lang="en-US" sz="1600" dirty="0">
+                <a:latin typeface="Trebuchet MS" panose="020B0603020202020204" pitchFamily="34" charset="0"/>
+              </a:rPr>
+              <a:t> &gt; USER_NAME </a:t>
+            </a:r>
+            <a:r>
+              <a:rPr lang="en-US" sz="1600" dirty="0" err="1">
+                <a:latin typeface="Trebuchet MS" panose="020B0603020202020204" pitchFamily="34" charset="0"/>
+              </a:rPr>
+              <a:t>belum</a:t>
+            </a:r>
+            <a:r>
+              <a:rPr lang="en-US" sz="1600" dirty="0">
+                <a:latin typeface="Trebuchet MS" panose="020B0603020202020204" pitchFamily="34" charset="0"/>
+              </a:rPr>
+              <a:t> </a:t>
+            </a:r>
+            <a:r>
+              <a:rPr lang="en-US" sz="1600" dirty="0" err="1">
+                <a:latin typeface="Trebuchet MS" panose="020B0603020202020204" pitchFamily="34" charset="0"/>
+              </a:rPr>
+              <a:t>terautentikasi</a:t>
+            </a:r>
+            <a:r>
+              <a:rPr lang="en-US" sz="1600" dirty="0">
+                <a:latin typeface="Trebuchet MS" panose="020B0603020202020204" pitchFamily="34" charset="0"/>
+              </a:rPr>
+              <a:t>, NAMA_GRUP </a:t>
+            </a:r>
+            <a:r>
+              <a:rPr lang="en-US" sz="1600" dirty="0" err="1">
+                <a:latin typeface="Trebuchet MS" panose="020B0603020202020204" pitchFamily="34" charset="0"/>
+              </a:rPr>
+              <a:t>tidak</a:t>
+            </a:r>
+            <a:r>
+              <a:rPr lang="en-US" sz="1600" dirty="0">
+                <a:latin typeface="Trebuchet MS" panose="020B0603020202020204" pitchFamily="34" charset="0"/>
+              </a:rPr>
+              <a:t> </a:t>
+            </a:r>
+            <a:r>
+              <a:rPr lang="en-US" sz="1600" dirty="0" err="1">
+                <a:latin typeface="Trebuchet MS" panose="020B0603020202020204" pitchFamily="34" charset="0"/>
+              </a:rPr>
+              <a:t>tersedia</a:t>
+            </a:r>
+            <a:endParaRPr lang="en-US" sz="1600" dirty="0">
+              <a:latin typeface="Trebuchet MS" panose="020B0603020202020204" pitchFamily="34" charset="0"/>
+            </a:endParaRPr>
+          </a:p>
+          <a:p>
+            <a:endParaRPr lang="en-US" sz="2400" dirty="0">
+              <a:latin typeface="Trebuchet MS" panose="020B0603020202020204" pitchFamily="34" charset="0"/>
+            </a:endParaRPr>
+          </a:p>
+          <a:p>
+            <a:endParaRPr lang="en-US" sz="2400" dirty="0">
+              <a:latin typeface="Trebuchet MS" panose="020B0603020202020204" pitchFamily="34" charset="0"/>
+            </a:endParaRPr>
+          </a:p>
+        </p:txBody>
+      </p:sp>
+    </p:spTree>
+    <p:extLst>
+      <p:ext uri="{BB962C8B-B14F-4D97-AF65-F5344CB8AC3E}">
+        <p14:creationId xmlns:p14="http://schemas.microsoft.com/office/powerpoint/2010/main" val="3330634365"/>
+      </p:ext>
+    </p:extLst>
+  </p:cSld>
+  <p:clrMapOvr>
+    <a:masterClrMapping/>
+  </p:clrMapOvr>
+  <p:timing>
+    <p:tnLst>
+      <p:par>
+        <p:cTn id="1" dur="indefinite" restart="never" nodeType="tmRoot"/>
+      </p:par>
+    </p:tnLst>
+  </p:timing>
+</p:sld>
+</file>
+
+<file path=ppt/slides/slide8.xml><?xml version="1.0" encoding="utf-8"?>
+<p:sld xmlns:a="http://schemas.openxmlformats.org/drawingml/2006/main" xmlns:r="http://schemas.openxmlformats.org/officeDocument/2006/relationships" xmlns:p="http://schemas.openxmlformats.org/presentationml/2006/main">
+  <p:cSld>
+    <p:spTree>
+      <p:nvGrpSpPr>
+        <p:cNvPr id="1" name=""/>
+        <p:cNvGrpSpPr/>
+        <p:nvPr/>
+      </p:nvGrpSpPr>
+      <p:grpSpPr>
+        <a:xfrm>
+          <a:off x="0" y="0"/>
+          <a:ext cx="0" cy="0"/>
+          <a:chOff x="0" y="0"/>
+          <a:chExt cx="0" cy="0"/>
+        </a:xfrm>
+      </p:grpSpPr>
+      <p:sp>
+        <p:nvSpPr>
+          <p:cNvPr id="2" name="Title 1"/>
+          <p:cNvSpPr>
+            <a:spLocks noGrp="1"/>
+          </p:cNvSpPr>
+          <p:nvPr>
+            <p:ph type="title"/>
+          </p:nvPr>
+        </p:nvSpPr>
+        <p:spPr/>
+        <p:txBody>
+          <a:bodyPr/>
+          <a:lstStyle/>
+          <a:p>
+            <a:r>
+              <a:rPr lang="en-US" dirty="0">
+                <a:latin typeface="Trebuchet MS" panose="020B0603020202020204" pitchFamily="34" charset="0"/>
+              </a:rPr>
+              <a:t>GRUP</a:t>
+            </a:r>
+          </a:p>
+        </p:txBody>
+      </p:sp>
+      <p:sp>
+        <p:nvSpPr>
+          <p:cNvPr id="3" name="Content Placeholder 2"/>
+          <p:cNvSpPr>
+            <a:spLocks noGrp="1"/>
+          </p:cNvSpPr>
+          <p:nvPr>
+            <p:ph idx="1"/>
+          </p:nvPr>
+        </p:nvSpPr>
+        <p:spPr/>
+        <p:txBody>
+          <a:bodyPr/>
+          <a:lstStyle/>
+          <a:p>
+            <a:r>
+              <a:rPr lang="en-US" dirty="0" smtClean="0">
+                <a:latin typeface="Trebuchet MS" panose="020B0603020202020204" pitchFamily="34" charset="0"/>
+              </a:rPr>
+              <a:t>HAPUS GRUP</a:t>
+            </a:r>
+            <a:endParaRPr lang="en-US" dirty="0">
+              <a:latin typeface="Trebuchet MS" panose="020B0603020202020204" pitchFamily="34" charset="0"/>
+            </a:endParaRPr>
+          </a:p>
+          <a:p>
+            <a:pPr lvl="1"/>
+            <a:r>
+              <a:rPr lang="en-US" dirty="0">
+                <a:latin typeface="Trebuchet MS" panose="020B0603020202020204" pitchFamily="34" charset="0"/>
+              </a:rPr>
+              <a:t>Format message:</a:t>
+            </a:r>
+          </a:p>
+          <a:p>
+            <a:pPr lvl="2"/>
+            <a:r>
+              <a:rPr lang="en-US" dirty="0">
+                <a:latin typeface="Trebuchet MS" panose="020B0603020202020204" pitchFamily="34" charset="0"/>
+              </a:rPr>
+              <a:t>H</a:t>
+            </a:r>
+            <a:r>
+              <a:rPr lang="en-US" dirty="0" smtClean="0">
+                <a:latin typeface="Trebuchet MS" panose="020B0603020202020204" pitchFamily="34" charset="0"/>
+              </a:rPr>
+              <a:t>GRUP </a:t>
+            </a:r>
+            <a:r>
+              <a:rPr lang="en-US" dirty="0" err="1">
+                <a:latin typeface="Trebuchet MS" panose="020B0603020202020204" pitchFamily="34" charset="0"/>
+              </a:rPr>
+              <a:t>spasi</a:t>
+            </a:r>
+            <a:r>
+              <a:rPr lang="en-US" dirty="0">
+                <a:latin typeface="Trebuchet MS" panose="020B0603020202020204" pitchFamily="34" charset="0"/>
+              </a:rPr>
+              <a:t> NAMA_GRUP </a:t>
+            </a:r>
+            <a:r>
+              <a:rPr lang="en-US" dirty="0" err="1">
+                <a:latin typeface="Trebuchet MS" panose="020B0603020202020204" pitchFamily="34" charset="0"/>
+              </a:rPr>
+              <a:t>spasi</a:t>
+            </a:r>
+            <a:r>
+              <a:rPr lang="en-US" dirty="0">
+                <a:latin typeface="Trebuchet MS" panose="020B0603020202020204" pitchFamily="34" charset="0"/>
+              </a:rPr>
+              <a:t> PASS_GRUP</a:t>
+            </a:r>
+          </a:p>
+          <a:p>
+            <a:pPr lvl="1"/>
+            <a:r>
+              <a:rPr lang="en-US" dirty="0">
+                <a:latin typeface="Trebuchet MS" panose="020B0603020202020204" pitchFamily="34" charset="0"/>
+              </a:rPr>
+              <a:t>Parameter:</a:t>
+            </a:r>
+          </a:p>
+          <a:p>
+            <a:pPr lvl="2"/>
+            <a:r>
+              <a:rPr lang="en-US" dirty="0">
+                <a:latin typeface="Trebuchet MS" panose="020B0603020202020204" pitchFamily="34" charset="0"/>
+              </a:rPr>
+              <a:t>NAMA_GRUP</a:t>
+            </a:r>
+          </a:p>
+          <a:p>
+            <a:pPr lvl="2"/>
+            <a:r>
+              <a:rPr lang="en-US" dirty="0">
+                <a:latin typeface="Trebuchet MS" panose="020B0603020202020204" pitchFamily="34" charset="0"/>
+              </a:rPr>
+              <a:t>PASS_GRUP</a:t>
+            </a:r>
+          </a:p>
+          <a:p>
+            <a:pPr lvl="1"/>
+            <a:r>
+              <a:rPr lang="en-US" dirty="0">
+                <a:latin typeface="Trebuchet MS" panose="020B0603020202020204" pitchFamily="34" charset="0"/>
+              </a:rPr>
+              <a:t>Return&gt;</a:t>
+            </a:r>
+          </a:p>
+          <a:p>
+            <a:pPr lvl="2"/>
+            <a:r>
+              <a:rPr lang="en-US" dirty="0" err="1">
+                <a:latin typeface="Trebuchet MS" panose="020B0603020202020204" pitchFamily="34" charset="0"/>
+              </a:rPr>
+              <a:t>Sukses</a:t>
+            </a:r>
+            <a:r>
+              <a:rPr lang="en-US" dirty="0">
+                <a:latin typeface="Trebuchet MS" panose="020B0603020202020204" pitchFamily="34" charset="0"/>
+              </a:rPr>
+              <a:t> &gt; </a:t>
+            </a:r>
+            <a:r>
+              <a:rPr lang="en-US" dirty="0" err="1">
+                <a:latin typeface="Trebuchet MS" panose="020B0603020202020204" pitchFamily="34" charset="0"/>
+              </a:rPr>
+              <a:t>daftar</a:t>
+            </a:r>
+            <a:r>
+              <a:rPr lang="en-US" dirty="0">
+                <a:latin typeface="Trebuchet MS" panose="020B0603020202020204" pitchFamily="34" charset="0"/>
+              </a:rPr>
+              <a:t> </a:t>
+            </a:r>
+            <a:r>
+              <a:rPr lang="en-US" dirty="0" err="1">
+                <a:latin typeface="Trebuchet MS" panose="020B0603020202020204" pitchFamily="34" charset="0"/>
+              </a:rPr>
+              <a:t>grup</a:t>
+            </a:r>
+            <a:r>
+              <a:rPr lang="en-US" dirty="0">
+                <a:latin typeface="Trebuchet MS" panose="020B0603020202020204" pitchFamily="34" charset="0"/>
+              </a:rPr>
+              <a:t> </a:t>
+            </a:r>
+            <a:r>
+              <a:rPr lang="en-US" dirty="0" err="1">
+                <a:latin typeface="Trebuchet MS" panose="020B0603020202020204" pitchFamily="34" charset="0"/>
+              </a:rPr>
+              <a:t>ditampilkan</a:t>
+            </a:r>
+            <a:endParaRPr lang="en-US" dirty="0">
+              <a:latin typeface="Trebuchet MS" panose="020B0603020202020204" pitchFamily="34" charset="0"/>
+            </a:endParaRPr>
+          </a:p>
+          <a:p>
+            <a:pPr lvl="2"/>
+            <a:r>
+              <a:rPr lang="en-US" dirty="0" err="1">
+                <a:latin typeface="Trebuchet MS" panose="020B0603020202020204" pitchFamily="34" charset="0"/>
+              </a:rPr>
+              <a:t>Gagal</a:t>
+            </a:r>
+            <a:r>
+              <a:rPr lang="en-US" dirty="0">
+                <a:latin typeface="Trebuchet MS" panose="020B0603020202020204" pitchFamily="34" charset="0"/>
+              </a:rPr>
+              <a:t> &gt; USER_NAME </a:t>
+            </a:r>
+            <a:r>
+              <a:rPr lang="en-US" dirty="0" err="1">
+                <a:latin typeface="Trebuchet MS" panose="020B0603020202020204" pitchFamily="34" charset="0"/>
+              </a:rPr>
+              <a:t>belum</a:t>
+            </a:r>
+            <a:r>
+              <a:rPr lang="en-US" dirty="0">
+                <a:latin typeface="Trebuchet MS" panose="020B0603020202020204" pitchFamily="34" charset="0"/>
+              </a:rPr>
+              <a:t> </a:t>
+            </a:r>
+            <a:r>
+              <a:rPr lang="en-US" dirty="0" err="1">
+                <a:latin typeface="Trebuchet MS" panose="020B0603020202020204" pitchFamily="34" charset="0"/>
+              </a:rPr>
+              <a:t>terautentikasi</a:t>
+            </a:r>
+            <a:r>
+              <a:rPr lang="en-US" dirty="0">
+                <a:latin typeface="Trebuchet MS" panose="020B0603020202020204" pitchFamily="34" charset="0"/>
+              </a:rPr>
+              <a:t>, NAMA_GRUP </a:t>
+            </a:r>
+            <a:r>
+              <a:rPr lang="en-US" dirty="0" err="1">
+                <a:latin typeface="Trebuchet MS" panose="020B0603020202020204" pitchFamily="34" charset="0"/>
+              </a:rPr>
+              <a:t>tidak</a:t>
+            </a:r>
+            <a:r>
+              <a:rPr lang="en-US" dirty="0">
+                <a:latin typeface="Trebuchet MS" panose="020B0603020202020204" pitchFamily="34" charset="0"/>
+              </a:rPr>
+              <a:t> </a:t>
+            </a:r>
+            <a:r>
+              <a:rPr lang="en-US" dirty="0" err="1">
+                <a:latin typeface="Trebuchet MS" panose="020B0603020202020204" pitchFamily="34" charset="0"/>
+              </a:rPr>
+              <a:t>tersedia</a:t>
+            </a:r>
+            <a:r>
+              <a:rPr lang="en-US" dirty="0">
+                <a:latin typeface="Trebuchet MS" panose="020B0603020202020204" pitchFamily="34" charset="0"/>
+              </a:rPr>
+              <a:t>, PASS_GRUP </a:t>
+            </a:r>
+            <a:r>
+              <a:rPr lang="en-US" dirty="0" err="1">
+                <a:latin typeface="Trebuchet MS" panose="020B0603020202020204" pitchFamily="34" charset="0"/>
+              </a:rPr>
+              <a:t>salah</a:t>
+            </a:r>
+            <a:endParaRPr lang="en-US" dirty="0">
+              <a:latin typeface="Trebuchet MS" panose="020B0603020202020204" pitchFamily="34" charset="0"/>
+            </a:endParaRPr>
+          </a:p>
+        </p:txBody>
+      </p:sp>
+    </p:spTree>
+    <p:extLst>
+      <p:ext uri="{BB962C8B-B14F-4D97-AF65-F5344CB8AC3E}">
+        <p14:creationId xmlns:p14="http://schemas.microsoft.com/office/powerpoint/2010/main" val="3965251133"/>
+      </p:ext>
+    </p:extLst>
+  </p:cSld>
+  <p:clrMapOvr>
+    <a:masterClrMapping/>
+  </p:clrMapOvr>
+  <p:timing>
+    <p:tnLst>
+      <p:par>
+        <p:cTn id="1" dur="indefinite" restart="never" nodeType="tmRoot"/>
+      </p:par>
+    </p:tnLst>
+  </p:timing>
+</p:sld>
+</file>
+
+<file path=ppt/slides/slide9.xml><?xml version="1.0" encoding="utf-8"?>
+<p:sld xmlns:a="http://schemas.openxmlformats.org/drawingml/2006/main" xmlns:r="http://schemas.openxmlformats.org/officeDocument/2006/relationships" xmlns:p="http://schemas.openxmlformats.org/presentationml/2006/main">
+  <p:cSld>
+    <p:spTree>
+      <p:nvGrpSpPr>
+        <p:cNvPr id="1" name=""/>
+        <p:cNvGrpSpPr/>
+        <p:nvPr/>
+      </p:nvGrpSpPr>
+      <p:grpSpPr>
+        <a:xfrm>
+          <a:off x="0" y="0"/>
+          <a:ext cx="0" cy="0"/>
+          <a:chOff x="0" y="0"/>
+          <a:chExt cx="0" cy="0"/>
+        </a:xfrm>
+      </p:grpSpPr>
+      <p:sp>
+        <p:nvSpPr>
           <p:cNvPr id="3" name="Content Placeholder 2"/>
           <p:cNvSpPr>
             <a:spLocks noGrp="1"/>
@@ -4399,9 +5116,14 @@
               <a:buNone/>
             </a:pPr>
             <a:r>
-              <a:rPr lang="en-US" sz="6000" dirty="0"/>
-              <a:t>TERIMAKASIH</a:t>
-            </a:r>
+              <a:rPr lang="en-US" sz="6000" dirty="0" smtClean="0">
+                <a:latin typeface="Trebuchet MS" panose="020B0603020202020204" pitchFamily="34" charset="0"/>
+              </a:rPr>
+              <a:t>TERIMA KASIH</a:t>
+            </a:r>
+            <a:endParaRPr lang="en-US" sz="6000" dirty="0">
+              <a:latin typeface="Trebuchet MS" panose="020B0603020202020204" pitchFamily="34" charset="0"/>
+            </a:endParaRPr>
           </a:p>
         </p:txBody>
       </p:sp>
@@ -4415,13 +5137,20 @@
   <p:clrMapOvr>
     <a:masterClrMapping/>
   </p:clrMapOvr>
+  <p:timing>
+    <p:tnLst>
+      <p:par>
+        <p:cTn id="1" dur="indefinite" restart="never" nodeType="tmRoot"/>
+      </p:par>
+    </p:tnLst>
+  </p:timing>
 </p:sld>
 </file>
 
 <file path=ppt/theme/theme1.xml><?xml version="1.0" encoding="utf-8"?>
 <a:theme xmlns:a="http://schemas.openxmlformats.org/drawingml/2006/main" name="Office Theme">
   <a:themeElements>
-    <a:clrScheme name="Office">
+    <a:clrScheme name="Office Theme">
       <a:dk1>
         <a:sysClr val="windowText" lastClr="000000"/>
       </a:dk1>
@@ -4435,22 +5164,22 @@
         <a:srgbClr val="E7E6E6"/>
       </a:lt2>
       <a:accent1>
-        <a:srgbClr val="5B9BD5"/>
+        <a:srgbClr val="29AF8C"/>
       </a:accent1>
       <a:accent2>
-        <a:srgbClr val="ED7D31"/>
+        <a:srgbClr val="97BE49"/>
       </a:accent2>
       <a:accent3>
-        <a:srgbClr val="A5A5A5"/>
+        <a:srgbClr val="3D9CCC"/>
       </a:accent3>
       <a:accent4>
-        <a:srgbClr val="FFC000"/>
+        <a:srgbClr val="7C60C6"/>
       </a:accent4>
       <a:accent5>
-        <a:srgbClr val="4472C4"/>
+        <a:srgbClr val="C9492C"/>
       </a:accent5>
       <a:accent6>
-        <a:srgbClr val="70AD47"/>
+        <a:srgbClr val="D58C2E"/>
       </a:accent6>
       <a:hlink>
         <a:srgbClr val="0563C1"/>
@@ -4459,7 +5188,7 @@
         <a:srgbClr val="954F72"/>
       </a:folHlink>
     </a:clrScheme>
-    <a:fontScheme name="Office">
+    <a:fontScheme name="Office Theme">
       <a:majorFont>
         <a:latin typeface="Calibri Light" panose="020F0302020204030204"/>
         <a:ea typeface=""/>
@@ -4531,7 +5260,7 @@
         <a:font script="Geor" typeface="Sylfaen"/>
       </a:minorFont>
     </a:fontScheme>
-    <a:fmtScheme name="Office">
+    <a:fmtScheme name="Office Theme">
       <a:fillStyleLst>
         <a:solidFill>
           <a:schemeClr val="phClr"/>
@@ -4673,7 +5402,7 @@
   <a:extraClrSchemeLst/>
   <a:extLst>
     <a:ext uri="{05A4C25C-085E-4340-85A3-A5531E510DB2}">
-      <thm15:themeFamily xmlns:thm15="http://schemas.microsoft.com/office/thememl/2012/main" name="Office Theme" id="{62F939B6-93AF-4DB8-9C6B-D6C7DFDC589F}" vid="{4A3C46E8-61CC-4603-A589-7422A47A8E4A}"/>
+      <thm15:themeFamily xmlns:thm15="http://schemas.microsoft.com/office/thememl/2012/main" name="Office Theme" id="{62F939B6-93AF-4DB8-9C6B-D6C7DFDC589F}" vid="{3E4F19A7-A959-40BB-972C-4880BAF8EB09}"/>
     </a:ext>
   </a:extLst>
 </a:theme>
